--- a/talks/2021-03-24-Mike-Sot-mtg.pptx
+++ b/talks/2021-03-24-Mike-Sot-mtg.pptx
@@ -5,23 +5,21 @@
     <p:sldMasterId id="2147483648" r:id="rId1"/>
   </p:sldMasterIdLst>
   <p:sldIdLst>
-    <p:sldId id="256" r:id="rId2"/>
-    <p:sldId id="257" r:id="rId3"/>
-    <p:sldId id="270" r:id="rId4"/>
-    <p:sldId id="273" r:id="rId5"/>
-    <p:sldId id="274" r:id="rId6"/>
-    <p:sldId id="271" r:id="rId7"/>
-    <p:sldId id="275" r:id="rId8"/>
+    <p:sldId id="276" r:id="rId2"/>
+    <p:sldId id="275" r:id="rId3"/>
+    <p:sldId id="277" r:id="rId4"/>
+    <p:sldId id="256" r:id="rId5"/>
+    <p:sldId id="273" r:id="rId6"/>
+    <p:sldId id="274" r:id="rId7"/>
+    <p:sldId id="278" r:id="rId8"/>
     <p:sldId id="266" r:id="rId9"/>
     <p:sldId id="259" r:id="rId10"/>
     <p:sldId id="261" r:id="rId11"/>
     <p:sldId id="260" r:id="rId12"/>
     <p:sldId id="264" r:id="rId13"/>
     <p:sldId id="267" r:id="rId14"/>
-    <p:sldId id="268" r:id="rId15"/>
-    <p:sldId id="272" r:id="rId16"/>
-    <p:sldId id="265" r:id="rId17"/>
-    <p:sldId id="258" r:id="rId18"/>
+    <p:sldId id="257" r:id="rId15"/>
+    <p:sldId id="270" r:id="rId16"/>
   </p:sldIdLst>
   <p:sldSz cx="12192000" cy="6858000"/>
   <p:notesSz cx="6858000" cy="9144000"/>
@@ -275,7 +273,7 @@
           <a:p>
             <a:fld id="{3084BC4A-6F8E-4815-B533-E7BAF4B5CA15}" type="datetimeFigureOut">
               <a:rPr lang="en-US" smtClean="0"/>
-              <a:t>3/19/2021</a:t>
+              <a:t>3/24/2021</a:t>
             </a:fld>
             <a:endParaRPr lang="en-US"/>
           </a:p>
@@ -473,7 +471,7 @@
           <a:p>
             <a:fld id="{3084BC4A-6F8E-4815-B533-E7BAF4B5CA15}" type="datetimeFigureOut">
               <a:rPr lang="en-US" smtClean="0"/>
-              <a:t>3/19/2021</a:t>
+              <a:t>3/24/2021</a:t>
             </a:fld>
             <a:endParaRPr lang="en-US"/>
           </a:p>
@@ -681,7 +679,7 @@
           <a:p>
             <a:fld id="{3084BC4A-6F8E-4815-B533-E7BAF4B5CA15}" type="datetimeFigureOut">
               <a:rPr lang="en-US" smtClean="0"/>
-              <a:t>3/19/2021</a:t>
+              <a:t>3/24/2021</a:t>
             </a:fld>
             <a:endParaRPr lang="en-US"/>
           </a:p>
@@ -879,7 +877,7 @@
           <a:p>
             <a:fld id="{3084BC4A-6F8E-4815-B533-E7BAF4B5CA15}" type="datetimeFigureOut">
               <a:rPr lang="en-US" smtClean="0"/>
-              <a:t>3/19/2021</a:t>
+              <a:t>3/24/2021</a:t>
             </a:fld>
             <a:endParaRPr lang="en-US"/>
           </a:p>
@@ -1154,7 +1152,7 @@
           <a:p>
             <a:fld id="{3084BC4A-6F8E-4815-B533-E7BAF4B5CA15}" type="datetimeFigureOut">
               <a:rPr lang="en-US" smtClean="0"/>
-              <a:t>3/19/2021</a:t>
+              <a:t>3/24/2021</a:t>
             </a:fld>
             <a:endParaRPr lang="en-US"/>
           </a:p>
@@ -1419,7 +1417,7 @@
           <a:p>
             <a:fld id="{3084BC4A-6F8E-4815-B533-E7BAF4B5CA15}" type="datetimeFigureOut">
               <a:rPr lang="en-US" smtClean="0"/>
-              <a:t>3/19/2021</a:t>
+              <a:t>3/24/2021</a:t>
             </a:fld>
             <a:endParaRPr lang="en-US"/>
           </a:p>
@@ -1831,7 +1829,7 @@
           <a:p>
             <a:fld id="{3084BC4A-6F8E-4815-B533-E7BAF4B5CA15}" type="datetimeFigureOut">
               <a:rPr lang="en-US" smtClean="0"/>
-              <a:t>3/19/2021</a:t>
+              <a:t>3/24/2021</a:t>
             </a:fld>
             <a:endParaRPr lang="en-US"/>
           </a:p>
@@ -1972,7 +1970,7 @@
           <a:p>
             <a:fld id="{3084BC4A-6F8E-4815-B533-E7BAF4B5CA15}" type="datetimeFigureOut">
               <a:rPr lang="en-US" smtClean="0"/>
-              <a:t>3/19/2021</a:t>
+              <a:t>3/24/2021</a:t>
             </a:fld>
             <a:endParaRPr lang="en-US"/>
           </a:p>
@@ -2085,7 +2083,7 @@
           <a:p>
             <a:fld id="{3084BC4A-6F8E-4815-B533-E7BAF4B5CA15}" type="datetimeFigureOut">
               <a:rPr lang="en-US" smtClean="0"/>
-              <a:t>3/19/2021</a:t>
+              <a:t>3/24/2021</a:t>
             </a:fld>
             <a:endParaRPr lang="en-US"/>
           </a:p>
@@ -2396,7 +2394,7 @@
           <a:p>
             <a:fld id="{3084BC4A-6F8E-4815-B533-E7BAF4B5CA15}" type="datetimeFigureOut">
               <a:rPr lang="en-US" smtClean="0"/>
-              <a:t>3/19/2021</a:t>
+              <a:t>3/24/2021</a:t>
             </a:fld>
             <a:endParaRPr lang="en-US"/>
           </a:p>
@@ -2684,7 +2682,7 @@
           <a:p>
             <a:fld id="{3084BC4A-6F8E-4815-B533-E7BAF4B5CA15}" type="datetimeFigureOut">
               <a:rPr lang="en-US" smtClean="0"/>
-              <a:t>3/19/2021</a:t>
+              <a:t>3/24/2021</a:t>
             </a:fld>
             <a:endParaRPr lang="en-US"/>
           </a:p>
@@ -2925,7 +2923,7 @@
           <a:p>
             <a:fld id="{3084BC4A-6F8E-4815-B533-E7BAF4B5CA15}" type="datetimeFigureOut">
               <a:rPr lang="en-US" smtClean="0"/>
-              <a:t>3/19/2021</a:t>
+              <a:t>3/24/2021</a:t>
             </a:fld>
             <a:endParaRPr lang="en-US"/>
           </a:p>
@@ -3342,48 +3340,12 @@
           <a:chExt cx="0" cy="0"/>
         </a:xfrm>
       </p:grpSpPr>
-      <p:pic>
-        <p:nvPicPr>
-          <p:cNvPr id="5" name="Picture 4" descr="Chart&#10;&#10;Description automatically generated">
-            <a:extLst>
-              <a:ext uri="{FF2B5EF4-FFF2-40B4-BE49-F238E27FC236}">
-                <a16:creationId xmlns:a16="http://schemas.microsoft.com/office/drawing/2014/main" id="{3BC7265C-8904-488C-8C74-8256D6A5B18E}"/>
-              </a:ext>
-            </a:extLst>
-          </p:cNvPr>
-          <p:cNvPicPr>
-            <a:picLocks noChangeAspect="1"/>
-          </p:cNvPicPr>
-          <p:nvPr/>
-        </p:nvPicPr>
-        <p:blipFill>
-          <a:blip r:embed="rId2">
-            <a:extLst>
-              <a:ext uri="{28A0092B-C50C-407E-A947-70E740481C1C}">
-                <a14:useLocalDpi xmlns:a14="http://schemas.microsoft.com/office/drawing/2010/main" val="0"/>
-              </a:ext>
-            </a:extLst>
-          </a:blip>
-          <a:stretch>
-            <a:fillRect/>
-          </a:stretch>
-        </p:blipFill>
-        <p:spPr>
-          <a:xfrm>
-            <a:off x="0" y="1527272"/>
-            <a:ext cx="12192000" cy="4813106"/>
-          </a:xfrm>
-          <a:prstGeom prst="rect">
-            <a:avLst/>
-          </a:prstGeom>
-        </p:spPr>
-      </p:pic>
-      <p:sp>
-        <p:nvSpPr>
-          <p:cNvPr id="6" name="Title 5">
-            <a:extLst>
-              <a:ext uri="{FF2B5EF4-FFF2-40B4-BE49-F238E27FC236}">
-                <a16:creationId xmlns:a16="http://schemas.microsoft.com/office/drawing/2014/main" id="{F529252E-F8F9-4C23-89B2-CC74187B78BE}"/>
+      <p:sp>
+        <p:nvSpPr>
+          <p:cNvPr id="4" name="Title 3">
+            <a:extLst>
+              <a:ext uri="{FF2B5EF4-FFF2-40B4-BE49-F238E27FC236}">
+                <a16:creationId xmlns:a16="http://schemas.microsoft.com/office/drawing/2014/main" id="{095F41B0-3DD0-4343-ACBE-AE1D7E4E464E}"/>
               </a:ext>
             </a:extLst>
           </p:cNvPr>
@@ -3399,9 +3361,43 @@
           <a:bodyPr/>
           <a:lstStyle/>
           <a:p>
+            <a:endParaRPr lang="en-US"/>
+          </a:p>
+        </p:txBody>
+      </p:sp>
+      <p:sp>
+        <p:nvSpPr>
+          <p:cNvPr id="5" name="Content Placeholder 4">
+            <a:extLst>
+              <a:ext uri="{FF2B5EF4-FFF2-40B4-BE49-F238E27FC236}">
+                <a16:creationId xmlns:a16="http://schemas.microsoft.com/office/drawing/2014/main" id="{5A38C063-B1D5-4005-A532-FE36D7531BBB}"/>
+              </a:ext>
+            </a:extLst>
+          </p:cNvPr>
+          <p:cNvSpPr>
+            <a:spLocks noGrp="1"/>
+          </p:cNvSpPr>
+          <p:nvPr>
+            <p:ph idx="1"/>
+          </p:nvPr>
+        </p:nvSpPr>
+        <p:spPr/>
+        <p:txBody>
+          <a:bodyPr/>
+          <a:lstStyle/>
+          <a:p>
             <a:r>
               <a:rPr lang="en-US" dirty="0"/>
-              <a:t>Ames 2003 example</a:t>
+              <a:t>1. Are rotated corn yields, or continuous corn yields driving gaps?</a:t>
+            </a:r>
+          </a:p>
+          <a:p>
+            <a:endParaRPr lang="en-US" dirty="0"/>
+          </a:p>
+          <a:p>
+            <a:r>
+              <a:rPr lang="en-US" dirty="0"/>
+              <a:t>2. What is the role of nitrogen in the gap?</a:t>
             </a:r>
           </a:p>
         </p:txBody>
@@ -3409,7 +3405,7 @@
     </p:spTree>
     <p:extLst>
       <p:ext uri="{BB962C8B-B14F-4D97-AF65-F5344CB8AC3E}">
-        <p14:creationId xmlns:p14="http://schemas.microsoft.com/office/powerpoint/2010/main" val="45561658"/>
+        <p14:creationId xmlns:p14="http://schemas.microsoft.com/office/powerpoint/2010/main" val="342447199"/>
       </p:ext>
     </p:extLst>
   </p:cSld>
@@ -4526,7 +4522,7 @@
           <a:p>
             <a:r>
               <a:rPr lang="en-US" dirty="0"/>
-              <a:t>Larger gaps are less likely to be addressed with N-</a:t>
+              <a:t>Larger gaps (&gt;1200 kg/ha) are less likely to be addressed with N-</a:t>
             </a:r>
             <a:r>
               <a:rPr lang="en-US" dirty="0" err="1"/>
@@ -4535,25 +4531,38 @@
             <a:endParaRPr lang="en-US" dirty="0"/>
           </a:p>
           <a:p>
+            <a:endParaRPr lang="en-US" dirty="0"/>
+          </a:p>
+          <a:p>
             <a:r>
               <a:rPr lang="en-US" dirty="0"/>
-              <a:t>Higher production potential = larger gaps</a:t>
-            </a:r>
-          </a:p>
-          <a:p>
-            <a:r>
-              <a:rPr lang="en-US" dirty="0">
-                <a:sym typeface="Wingdings" panose="05000000000000000000" pitchFamily="2" charset="2"/>
-              </a:rPr>
-              <a:t> Areas with high production potential are less likely to close continuous corn gaps with N-</a:t>
-            </a:r>
-            <a:r>
-              <a:rPr lang="en-US" dirty="0" err="1">
-                <a:sym typeface="Wingdings" panose="05000000000000000000" pitchFamily="2" charset="2"/>
-              </a:rPr>
+              <a:t>What makes a site more likely to have gap closed by N-</a:t>
+            </a:r>
+            <a:r>
+              <a:rPr lang="en-US" dirty="0" err="1"/>
               <a:t>fert</a:t>
             </a:r>
+            <a:r>
+              <a:rPr lang="en-US" dirty="0"/>
+              <a:t>?</a:t>
+            </a:r>
+          </a:p>
+          <a:p>
+            <a:pPr lvl="1"/>
+            <a:r>
+              <a:rPr lang="en-US" dirty="0"/>
+              <a:t>…</a:t>
+            </a:r>
+          </a:p>
+          <a:p>
+            <a:pPr lvl="1"/>
             <a:endParaRPr lang="en-US" dirty="0"/>
+          </a:p>
+          <a:p>
+            <a:r>
+              <a:rPr lang="en-US" dirty="0"/>
+              <a:t>Nebraska data would be great to add</a:t>
+            </a:r>
           </a:p>
         </p:txBody>
       </p:sp>
@@ -4589,2964 +4598,6 @@
       </p:grpSpPr>
       <p:pic>
         <p:nvPicPr>
-          <p:cNvPr id="5" name="Picture 4">
-            <a:extLst>
-              <a:ext uri="{FF2B5EF4-FFF2-40B4-BE49-F238E27FC236}">
-                <a16:creationId xmlns:a16="http://schemas.microsoft.com/office/drawing/2014/main" id="{E562C4D8-6075-430E-9104-4097897E4747}"/>
-              </a:ext>
-            </a:extLst>
-          </p:cNvPr>
-          <p:cNvPicPr>
-            <a:picLocks noChangeAspect="1"/>
-          </p:cNvPicPr>
-          <p:nvPr/>
-        </p:nvPicPr>
-        <p:blipFill>
-          <a:blip r:embed="rId2"/>
-          <a:stretch>
-            <a:fillRect/>
-          </a:stretch>
-        </p:blipFill>
-        <p:spPr>
-          <a:xfrm>
-            <a:off x="7252055" y="3356679"/>
-            <a:ext cx="4939945" cy="3136196"/>
-          </a:xfrm>
-          <a:prstGeom prst="rect">
-            <a:avLst/>
-          </a:prstGeom>
-        </p:spPr>
-      </p:pic>
-      <p:sp>
-        <p:nvSpPr>
-          <p:cNvPr id="2" name="Title 1">
-            <a:extLst>
-              <a:ext uri="{FF2B5EF4-FFF2-40B4-BE49-F238E27FC236}">
-                <a16:creationId xmlns:a16="http://schemas.microsoft.com/office/drawing/2014/main" id="{9BCB569A-08C0-48D4-BC5F-E7E23F0D9150}"/>
-              </a:ext>
-            </a:extLst>
-          </p:cNvPr>
-          <p:cNvSpPr>
-            <a:spLocks noGrp="1"/>
-          </p:cNvSpPr>
-          <p:nvPr>
-            <p:ph type="title"/>
-          </p:nvPr>
-        </p:nvSpPr>
-        <p:spPr/>
-        <p:txBody>
-          <a:bodyPr/>
-          <a:lstStyle/>
-          <a:p>
-            <a:endParaRPr lang="en-US" dirty="0"/>
-          </a:p>
-        </p:txBody>
-      </p:sp>
-      <p:sp>
-        <p:nvSpPr>
-          <p:cNvPr id="3" name="Content Placeholder 2">
-            <a:extLst>
-              <a:ext uri="{FF2B5EF4-FFF2-40B4-BE49-F238E27FC236}">
-                <a16:creationId xmlns:a16="http://schemas.microsoft.com/office/drawing/2014/main" id="{22485307-26B8-427D-A12C-3474B9AAB558}"/>
-              </a:ext>
-            </a:extLst>
-          </p:cNvPr>
-          <p:cNvSpPr>
-            <a:spLocks noGrp="1"/>
-          </p:cNvSpPr>
-          <p:nvPr>
-            <p:ph idx="1"/>
-          </p:nvPr>
-        </p:nvSpPr>
-        <p:spPr/>
-        <p:txBody>
-          <a:bodyPr/>
-          <a:lstStyle/>
-          <a:p>
-            <a:r>
-              <a:rPr lang="en-US" dirty="0"/>
-              <a:t>I get different answers, depending on what I include for weather</a:t>
-            </a:r>
-          </a:p>
-          <a:p>
-            <a:r>
-              <a:rPr lang="en-US" dirty="0"/>
-              <a:t>Want variables that are not correlated </a:t>
-            </a:r>
-          </a:p>
-          <a:p>
-            <a:pPr lvl="1"/>
-            <a:r>
-              <a:rPr lang="en-US" dirty="0"/>
-              <a:t>ex </a:t>
-            </a:r>
-            <a:r>
-              <a:rPr lang="en-US" dirty="0" err="1"/>
-              <a:t>precip</a:t>
-            </a:r>
-            <a:r>
-              <a:rPr lang="en-US" dirty="0"/>
-              <a:t> at planting and GDDs 2 weeks after planting are correlated</a:t>
-            </a:r>
-          </a:p>
-          <a:p>
-            <a:r>
-              <a:rPr lang="en-US" dirty="0"/>
-              <a:t>Want meaningful things</a:t>
-            </a:r>
-          </a:p>
-          <a:p>
-            <a:pPr lvl="1"/>
-            <a:r>
-              <a:rPr lang="en-US" dirty="0"/>
-              <a:t>Ex July </a:t>
-            </a:r>
-            <a:r>
-              <a:rPr lang="en-US" dirty="0" err="1"/>
-              <a:t>precip</a:t>
-            </a:r>
-            <a:r>
-              <a:rPr lang="en-US" dirty="0"/>
-              <a:t>, might mean something different in IL?</a:t>
-            </a:r>
-          </a:p>
-        </p:txBody>
-      </p:sp>
-    </p:spTree>
-    <p:extLst>
-      <p:ext uri="{BB962C8B-B14F-4D97-AF65-F5344CB8AC3E}">
-        <p14:creationId xmlns:p14="http://schemas.microsoft.com/office/powerpoint/2010/main" val="1396585832"/>
-      </p:ext>
-    </p:extLst>
-  </p:cSld>
-  <p:clrMapOvr>
-    <a:masterClrMapping/>
-  </p:clrMapOvr>
-</p:sld>
-</file>
-
-<file path=ppt/slides/slide15.xml><?xml version="1.0" encoding="utf-8"?>
-<p:sld xmlns:a="http://schemas.openxmlformats.org/drawingml/2006/main" xmlns:r="http://schemas.openxmlformats.org/officeDocument/2006/relationships" xmlns:p="http://schemas.openxmlformats.org/presentationml/2006/main">
-  <p:cSld>
-    <p:spTree>
-      <p:nvGrpSpPr>
-        <p:cNvPr id="1" name=""/>
-        <p:cNvGrpSpPr/>
-        <p:nvPr/>
-      </p:nvGrpSpPr>
-      <p:grpSpPr>
-        <a:xfrm>
-          <a:off x="0" y="0"/>
-          <a:ext cx="0" cy="0"/>
-          <a:chOff x="0" y="0"/>
-          <a:chExt cx="0" cy="0"/>
-        </a:xfrm>
-      </p:grpSpPr>
-      <p:grpSp>
-        <p:nvGrpSpPr>
-          <p:cNvPr id="2" name="Group 1">
-            <a:extLst>
-              <a:ext uri="{FF2B5EF4-FFF2-40B4-BE49-F238E27FC236}">
-                <a16:creationId xmlns:a16="http://schemas.microsoft.com/office/drawing/2014/main" id="{8FEEDDF8-C1DE-4227-A227-4A49193BD9DA}"/>
-              </a:ext>
-            </a:extLst>
-          </p:cNvPr>
-          <p:cNvGrpSpPr/>
-          <p:nvPr/>
-        </p:nvGrpSpPr>
-        <p:grpSpPr>
-          <a:xfrm>
-            <a:off x="349015" y="405400"/>
-            <a:ext cx="11108856" cy="5976633"/>
-            <a:chOff x="-90829" y="405400"/>
-            <a:chExt cx="11108856" cy="5976633"/>
-          </a:xfrm>
-        </p:grpSpPr>
-        <p:sp>
-          <p:nvSpPr>
-            <p:cNvPr id="3" name="Rectangle 2">
-              <a:extLst>
-                <a:ext uri="{FF2B5EF4-FFF2-40B4-BE49-F238E27FC236}">
-                  <a16:creationId xmlns:a16="http://schemas.microsoft.com/office/drawing/2014/main" id="{845FE0B1-A723-46D7-B0FC-C30DD80B5FDC}"/>
-                </a:ext>
-              </a:extLst>
-            </p:cNvPr>
-            <p:cNvSpPr/>
-            <p:nvPr/>
-          </p:nvSpPr>
-          <p:spPr>
-            <a:xfrm>
-              <a:off x="8292582" y="2809810"/>
-              <a:ext cx="2725445" cy="1880403"/>
-            </a:xfrm>
-            <a:prstGeom prst="rect">
-              <a:avLst/>
-            </a:prstGeom>
-          </p:spPr>
-          <p:style>
-            <a:lnRef idx="2">
-              <a:schemeClr val="accent1">
-                <a:shade val="50000"/>
-              </a:schemeClr>
-            </a:lnRef>
-            <a:fillRef idx="1">
-              <a:schemeClr val="accent1"/>
-            </a:fillRef>
-            <a:effectRef idx="0">
-              <a:schemeClr val="accent1"/>
-            </a:effectRef>
-            <a:fontRef idx="minor">
-              <a:schemeClr val="lt1"/>
-            </a:fontRef>
-          </p:style>
-          <p:txBody>
-            <a:bodyPr rtlCol="0" anchor="ctr"/>
-            <a:lstStyle/>
-            <a:p>
-              <a:pPr algn="ctr"/>
-              <a:endParaRPr lang="en-US"/>
-            </a:p>
-          </p:txBody>
-        </p:sp>
-        <p:sp>
-          <p:nvSpPr>
-            <p:cNvPr id="4" name="TextBox 3">
-              <a:extLst>
-                <a:ext uri="{FF2B5EF4-FFF2-40B4-BE49-F238E27FC236}">
-                  <a16:creationId xmlns:a16="http://schemas.microsoft.com/office/drawing/2014/main" id="{3E111252-8B6D-4250-ADBB-EA22E688E82A}"/>
-                </a:ext>
-              </a:extLst>
-            </p:cNvPr>
-            <p:cNvSpPr txBox="1"/>
-            <p:nvPr/>
-          </p:nvSpPr>
-          <p:spPr>
-            <a:xfrm>
-              <a:off x="5705033" y="1738516"/>
-              <a:ext cx="1909690" cy="369332"/>
-            </a:xfrm>
-            <a:prstGeom prst="rect">
-              <a:avLst/>
-            </a:prstGeom>
-            <a:solidFill>
-              <a:schemeClr val="bg2"/>
-            </a:solidFill>
-          </p:spPr>
-          <p:txBody>
-            <a:bodyPr wrap="none" rtlCol="0">
-              <a:spAutoFit/>
-            </a:bodyPr>
-            <a:lstStyle/>
-            <a:p>
-              <a:r>
-                <a:rPr lang="en-US" dirty="0"/>
-                <a:t>Below-ground OM</a:t>
-              </a:r>
-            </a:p>
-          </p:txBody>
-        </p:sp>
-        <p:sp>
-          <p:nvSpPr>
-            <p:cNvPr id="5" name="TextBox 4">
-              <a:extLst>
-                <a:ext uri="{FF2B5EF4-FFF2-40B4-BE49-F238E27FC236}">
-                  <a16:creationId xmlns:a16="http://schemas.microsoft.com/office/drawing/2014/main" id="{7E9F2281-6074-4BD5-A3D1-495B8105EDE8}"/>
-                </a:ext>
-              </a:extLst>
-            </p:cNvPr>
-            <p:cNvSpPr txBox="1"/>
-            <p:nvPr/>
-          </p:nvSpPr>
-          <p:spPr>
-            <a:xfrm>
-              <a:off x="3425871" y="2863212"/>
-              <a:ext cx="1757661" cy="369332"/>
-            </a:xfrm>
-            <a:prstGeom prst="rect">
-              <a:avLst/>
-            </a:prstGeom>
-            <a:solidFill>
-              <a:schemeClr val="accent2"/>
-            </a:solidFill>
-          </p:spPr>
-          <p:txBody>
-            <a:bodyPr wrap="none" rtlCol="0">
-              <a:spAutoFit/>
-            </a:bodyPr>
-            <a:lstStyle/>
-            <a:p>
-              <a:r>
-                <a:rPr lang="en-US" dirty="0"/>
-                <a:t>Soil temperature</a:t>
-              </a:r>
-            </a:p>
-          </p:txBody>
-        </p:sp>
-        <p:sp>
-          <p:nvSpPr>
-            <p:cNvPr id="6" name="TextBox 5">
-              <a:extLst>
-                <a:ext uri="{FF2B5EF4-FFF2-40B4-BE49-F238E27FC236}">
-                  <a16:creationId xmlns:a16="http://schemas.microsoft.com/office/drawing/2014/main" id="{28757EEE-A4E6-4CE3-AFAF-F97F1C739263}"/>
-                </a:ext>
-              </a:extLst>
-            </p:cNvPr>
-            <p:cNvSpPr txBox="1"/>
-            <p:nvPr/>
-          </p:nvSpPr>
-          <p:spPr>
-            <a:xfrm>
-              <a:off x="9716285" y="2899601"/>
-              <a:ext cx="1183529" cy="369332"/>
-            </a:xfrm>
-            <a:prstGeom prst="rect">
-              <a:avLst/>
-            </a:prstGeom>
-            <a:solidFill>
-              <a:schemeClr val="bg2"/>
-            </a:solidFill>
-          </p:spPr>
-          <p:txBody>
-            <a:bodyPr wrap="none" rtlCol="0">
-              <a:spAutoFit/>
-            </a:bodyPr>
-            <a:lstStyle/>
-            <a:p>
-              <a:r>
-                <a:rPr lang="en-US" dirty="0"/>
-                <a:t>Soil N Pool</a:t>
-              </a:r>
-            </a:p>
-          </p:txBody>
-        </p:sp>
-        <p:sp>
-          <p:nvSpPr>
-            <p:cNvPr id="7" name="TextBox 6">
-              <a:extLst>
-                <a:ext uri="{FF2B5EF4-FFF2-40B4-BE49-F238E27FC236}">
-                  <a16:creationId xmlns:a16="http://schemas.microsoft.com/office/drawing/2014/main" id="{092E2423-3DA6-4435-87D0-93C5CDE540B5}"/>
-                </a:ext>
-              </a:extLst>
-            </p:cNvPr>
-            <p:cNvSpPr txBox="1"/>
-            <p:nvPr/>
-          </p:nvSpPr>
-          <p:spPr>
-            <a:xfrm>
-              <a:off x="6218990" y="6012701"/>
-              <a:ext cx="1136465" cy="369332"/>
-            </a:xfrm>
-            <a:prstGeom prst="rect">
-              <a:avLst/>
-            </a:prstGeom>
-            <a:solidFill>
-              <a:schemeClr val="bg2"/>
-            </a:solidFill>
-          </p:spPr>
-          <p:txBody>
-            <a:bodyPr wrap="none" rtlCol="0">
-              <a:spAutoFit/>
-            </a:bodyPr>
-            <a:lstStyle/>
-            <a:p>
-              <a:r>
-                <a:rPr lang="en-US" dirty="0"/>
-                <a:t>Corn Yield</a:t>
-              </a:r>
-            </a:p>
-          </p:txBody>
-        </p:sp>
-        <p:sp>
-          <p:nvSpPr>
-            <p:cNvPr id="8" name="TextBox 7">
-              <a:extLst>
-                <a:ext uri="{FF2B5EF4-FFF2-40B4-BE49-F238E27FC236}">
-                  <a16:creationId xmlns:a16="http://schemas.microsoft.com/office/drawing/2014/main" id="{3CEB6DF5-9B65-48B8-B59D-054DF5E0B61D}"/>
-                </a:ext>
-              </a:extLst>
-            </p:cNvPr>
-            <p:cNvSpPr txBox="1"/>
-            <p:nvPr/>
-          </p:nvSpPr>
-          <p:spPr>
-            <a:xfrm>
-              <a:off x="8778272" y="1733628"/>
-              <a:ext cx="1687257" cy="369332"/>
-            </a:xfrm>
-            <a:prstGeom prst="rect">
-              <a:avLst/>
-            </a:prstGeom>
-            <a:solidFill>
-              <a:schemeClr val="accent2"/>
-            </a:solidFill>
-          </p:spPr>
-          <p:txBody>
-            <a:bodyPr wrap="none" rtlCol="0">
-              <a:spAutoFit/>
-            </a:bodyPr>
-            <a:lstStyle/>
-            <a:p>
-              <a:r>
-                <a:rPr lang="en-US" dirty="0"/>
-                <a:t>Organic C and N</a:t>
-              </a:r>
-            </a:p>
-          </p:txBody>
-        </p:sp>
-        <p:sp>
-          <p:nvSpPr>
-            <p:cNvPr id="9" name="TextBox 8">
-              <a:extLst>
-                <a:ext uri="{FF2B5EF4-FFF2-40B4-BE49-F238E27FC236}">
-                  <a16:creationId xmlns:a16="http://schemas.microsoft.com/office/drawing/2014/main" id="{6870B7C2-6BEA-4E7D-9E62-2E6062403C65}"/>
-                </a:ext>
-              </a:extLst>
-            </p:cNvPr>
-            <p:cNvSpPr txBox="1"/>
-            <p:nvPr/>
-          </p:nvSpPr>
-          <p:spPr>
-            <a:xfrm>
-              <a:off x="2802660" y="1745054"/>
-              <a:ext cx="1923347" cy="369332"/>
-            </a:xfrm>
-            <a:prstGeom prst="rect">
-              <a:avLst/>
-            </a:prstGeom>
-            <a:solidFill>
-              <a:schemeClr val="bg2"/>
-            </a:solidFill>
-          </p:spPr>
-          <p:txBody>
-            <a:bodyPr wrap="none" rtlCol="0">
-              <a:spAutoFit/>
-            </a:bodyPr>
-            <a:lstStyle/>
-            <a:p>
-              <a:r>
-                <a:rPr lang="en-US" dirty="0"/>
-                <a:t>Above-ground OM</a:t>
-              </a:r>
-            </a:p>
-          </p:txBody>
-        </p:sp>
-        <p:sp>
-          <p:nvSpPr>
-            <p:cNvPr id="10" name="TextBox 9">
-              <a:extLst>
-                <a:ext uri="{FF2B5EF4-FFF2-40B4-BE49-F238E27FC236}">
-                  <a16:creationId xmlns:a16="http://schemas.microsoft.com/office/drawing/2014/main" id="{FA4BE9CC-D00C-4A36-A04B-53FAD6D740BA}"/>
-                </a:ext>
-              </a:extLst>
-            </p:cNvPr>
-            <p:cNvSpPr txBox="1"/>
-            <p:nvPr/>
-          </p:nvSpPr>
-          <p:spPr>
-            <a:xfrm>
-              <a:off x="4873258" y="1946914"/>
-              <a:ext cx="803425" cy="369332"/>
-            </a:xfrm>
-            <a:prstGeom prst="rect">
-              <a:avLst/>
-            </a:prstGeom>
-            <a:noFill/>
-          </p:spPr>
-          <p:txBody>
-            <a:bodyPr wrap="none" rtlCol="0">
-              <a:spAutoFit/>
-            </a:bodyPr>
-            <a:lstStyle/>
-            <a:p>
-              <a:r>
-                <a:rPr lang="en-US" i="1" dirty="0"/>
-                <a:t>Tillage</a:t>
-              </a:r>
-            </a:p>
-          </p:txBody>
-        </p:sp>
-        <p:cxnSp>
-          <p:nvCxnSpPr>
-            <p:cNvPr id="11" name="Straight Arrow Connector 10">
-              <a:extLst>
-                <a:ext uri="{FF2B5EF4-FFF2-40B4-BE49-F238E27FC236}">
-                  <a16:creationId xmlns:a16="http://schemas.microsoft.com/office/drawing/2014/main" id="{C416CBC0-63C4-4F06-86D5-8FD3ACA0F8EF}"/>
-                </a:ext>
-              </a:extLst>
-            </p:cNvPr>
-            <p:cNvCxnSpPr>
-              <a:stCxn id="9" idx="3"/>
-              <a:endCxn id="4" idx="1"/>
-            </p:cNvCxnSpPr>
-            <p:nvPr/>
-          </p:nvCxnSpPr>
-          <p:spPr>
-            <a:xfrm flipV="1">
-              <a:off x="4726007" y="1923182"/>
-              <a:ext cx="979026" cy="6538"/>
-            </a:xfrm>
-            <a:prstGeom prst="straightConnector1">
-              <a:avLst/>
-            </a:prstGeom>
-            <a:ln w="76200">
-              <a:solidFill>
-                <a:schemeClr val="tx1"/>
-              </a:solidFill>
-              <a:prstDash val="solid"/>
-              <a:tailEnd type="triangle"/>
-            </a:ln>
-          </p:spPr>
-          <p:style>
-            <a:lnRef idx="1">
-              <a:schemeClr val="accent1"/>
-            </a:lnRef>
-            <a:fillRef idx="0">
-              <a:schemeClr val="accent1"/>
-            </a:fillRef>
-            <a:effectRef idx="0">
-              <a:schemeClr val="accent1"/>
-            </a:effectRef>
-            <a:fontRef idx="minor">
-              <a:schemeClr val="tx1"/>
-            </a:fontRef>
-          </p:style>
-        </p:cxnSp>
-        <p:sp>
-          <p:nvSpPr>
-            <p:cNvPr id="12" name="TextBox 11">
-              <a:extLst>
-                <a:ext uri="{FF2B5EF4-FFF2-40B4-BE49-F238E27FC236}">
-                  <a16:creationId xmlns:a16="http://schemas.microsoft.com/office/drawing/2014/main" id="{03E51FFC-08CC-47BC-9D37-6A1729221A3C}"/>
-                </a:ext>
-              </a:extLst>
-            </p:cNvPr>
-            <p:cNvSpPr txBox="1"/>
-            <p:nvPr/>
-          </p:nvSpPr>
-          <p:spPr>
-            <a:xfrm>
-              <a:off x="9159850" y="3400920"/>
-              <a:ext cx="1103764" cy="369332"/>
-            </a:xfrm>
-            <a:prstGeom prst="rect">
-              <a:avLst/>
-            </a:prstGeom>
-            <a:solidFill>
-              <a:schemeClr val="accent2"/>
-            </a:solidFill>
-          </p:spPr>
-          <p:txBody>
-            <a:bodyPr wrap="none" rtlCol="0">
-              <a:spAutoFit/>
-            </a:bodyPr>
-            <a:lstStyle/>
-            <a:p>
-              <a:r>
-                <a:rPr lang="en-US" dirty="0"/>
-                <a:t>Organic N</a:t>
-              </a:r>
-            </a:p>
-          </p:txBody>
-        </p:sp>
-        <p:sp>
-          <p:nvSpPr>
-            <p:cNvPr id="13" name="TextBox 12">
-              <a:extLst>
-                <a:ext uri="{FF2B5EF4-FFF2-40B4-BE49-F238E27FC236}">
-                  <a16:creationId xmlns:a16="http://schemas.microsoft.com/office/drawing/2014/main" id="{7B30C293-1E41-433D-960F-C34F674B28AA}"/>
-                </a:ext>
-              </a:extLst>
-            </p:cNvPr>
-            <p:cNvSpPr txBox="1"/>
-            <p:nvPr/>
-          </p:nvSpPr>
-          <p:spPr>
-            <a:xfrm>
-              <a:off x="9159850" y="3975783"/>
-              <a:ext cx="1112869" cy="369332"/>
-            </a:xfrm>
-            <a:prstGeom prst="rect">
-              <a:avLst/>
-            </a:prstGeom>
-            <a:solidFill>
-              <a:schemeClr val="accent2"/>
-            </a:solidFill>
-          </p:spPr>
-          <p:txBody>
-            <a:bodyPr wrap="none" rtlCol="0">
-              <a:spAutoFit/>
-            </a:bodyPr>
-            <a:lstStyle/>
-            <a:p>
-              <a:r>
-                <a:rPr lang="en-US" dirty="0"/>
-                <a:t>Mineral N</a:t>
-              </a:r>
-            </a:p>
-          </p:txBody>
-        </p:sp>
-        <p:sp>
-          <p:nvSpPr>
-            <p:cNvPr id="14" name="TextBox 13">
-              <a:extLst>
-                <a:ext uri="{FF2B5EF4-FFF2-40B4-BE49-F238E27FC236}">
-                  <a16:creationId xmlns:a16="http://schemas.microsoft.com/office/drawing/2014/main" id="{C2E2B381-025B-4F37-8B7F-ADFAC98223DD}"/>
-                </a:ext>
-              </a:extLst>
-            </p:cNvPr>
-            <p:cNvSpPr txBox="1"/>
-            <p:nvPr/>
-          </p:nvSpPr>
-          <p:spPr>
-            <a:xfrm>
-              <a:off x="3270460" y="3951120"/>
-              <a:ext cx="1864357" cy="369332"/>
-            </a:xfrm>
-            <a:prstGeom prst="rect">
-              <a:avLst/>
-            </a:prstGeom>
-            <a:solidFill>
-              <a:schemeClr val="accent2"/>
-            </a:solidFill>
-          </p:spPr>
-          <p:txBody>
-            <a:bodyPr wrap="none" rtlCol="0">
-              <a:spAutoFit/>
-            </a:bodyPr>
-            <a:lstStyle/>
-            <a:p>
-              <a:r>
-                <a:rPr lang="en-US" dirty="0"/>
-                <a:t>Emergence Speed</a:t>
-              </a:r>
-            </a:p>
-          </p:txBody>
-        </p:sp>
-        <p:sp>
-          <p:nvSpPr>
-            <p:cNvPr id="15" name="TextBox 14">
-              <a:extLst>
-                <a:ext uri="{FF2B5EF4-FFF2-40B4-BE49-F238E27FC236}">
-                  <a16:creationId xmlns:a16="http://schemas.microsoft.com/office/drawing/2014/main" id="{959F2F03-4C90-4F38-9A8C-DBEC3596097F}"/>
-                </a:ext>
-              </a:extLst>
-            </p:cNvPr>
-            <p:cNvSpPr txBox="1"/>
-            <p:nvPr/>
-          </p:nvSpPr>
-          <p:spPr>
-            <a:xfrm>
-              <a:off x="5338943" y="2863212"/>
-              <a:ext cx="1421415" cy="369332"/>
-            </a:xfrm>
-            <a:prstGeom prst="rect">
-              <a:avLst/>
-            </a:prstGeom>
-            <a:solidFill>
-              <a:schemeClr val="accent2"/>
-            </a:solidFill>
-          </p:spPr>
-          <p:txBody>
-            <a:bodyPr wrap="none" rtlCol="0">
-              <a:spAutoFit/>
-            </a:bodyPr>
-            <a:lstStyle/>
-            <a:p>
-              <a:r>
-                <a:rPr lang="en-US" dirty="0"/>
-                <a:t>Soil Moisture</a:t>
-              </a:r>
-            </a:p>
-          </p:txBody>
-        </p:sp>
-        <p:sp>
-          <p:nvSpPr>
-            <p:cNvPr id="16" name="TextBox 15">
-              <a:extLst>
-                <a:ext uri="{FF2B5EF4-FFF2-40B4-BE49-F238E27FC236}">
-                  <a16:creationId xmlns:a16="http://schemas.microsoft.com/office/drawing/2014/main" id="{A52BAFD3-9A79-4447-8DB1-08D944BEB2C0}"/>
-                </a:ext>
-              </a:extLst>
-            </p:cNvPr>
-            <p:cNvSpPr txBox="1"/>
-            <p:nvPr/>
-          </p:nvSpPr>
-          <p:spPr>
-            <a:xfrm>
-              <a:off x="1539730" y="2863212"/>
-              <a:ext cx="1730730" cy="369332"/>
-            </a:xfrm>
-            <a:prstGeom prst="rect">
-              <a:avLst/>
-            </a:prstGeom>
-            <a:solidFill>
-              <a:schemeClr val="accent2"/>
-            </a:solidFill>
-          </p:spPr>
-          <p:txBody>
-            <a:bodyPr wrap="none" rtlCol="0">
-              <a:spAutoFit/>
-            </a:bodyPr>
-            <a:lstStyle/>
-            <a:p>
-              <a:r>
-                <a:rPr lang="en-US" dirty="0"/>
-                <a:t>Plant Population</a:t>
-              </a:r>
-            </a:p>
-          </p:txBody>
-        </p:sp>
-        <p:sp>
-          <p:nvSpPr>
-            <p:cNvPr id="17" name="TextBox 16">
-              <a:extLst>
-                <a:ext uri="{FF2B5EF4-FFF2-40B4-BE49-F238E27FC236}">
-                  <a16:creationId xmlns:a16="http://schemas.microsoft.com/office/drawing/2014/main" id="{5D560ED0-87BD-4D20-A361-BF587F366718}"/>
-                </a:ext>
-              </a:extLst>
-            </p:cNvPr>
-            <p:cNvSpPr txBox="1"/>
-            <p:nvPr/>
-          </p:nvSpPr>
-          <p:spPr>
-            <a:xfrm>
-              <a:off x="-90829" y="2863212"/>
-              <a:ext cx="1475147" cy="369332"/>
-            </a:xfrm>
-            <a:prstGeom prst="rect">
-              <a:avLst/>
-            </a:prstGeom>
-            <a:solidFill>
-              <a:schemeClr val="accent2"/>
-            </a:solidFill>
-          </p:spPr>
-          <p:txBody>
-            <a:bodyPr wrap="none" rtlCol="0">
-              <a:spAutoFit/>
-            </a:bodyPr>
-            <a:lstStyle/>
-            <a:p>
-              <a:r>
-                <a:rPr lang="en-US" dirty="0"/>
-                <a:t>Foliar Disease</a:t>
-              </a:r>
-            </a:p>
-          </p:txBody>
-        </p:sp>
-        <p:sp>
-          <p:nvSpPr>
-            <p:cNvPr id="18" name="TextBox 17">
-              <a:extLst>
-                <a:ext uri="{FF2B5EF4-FFF2-40B4-BE49-F238E27FC236}">
-                  <a16:creationId xmlns:a16="http://schemas.microsoft.com/office/drawing/2014/main" id="{1CDE51B0-A2A0-4449-AD83-1D488425AF29}"/>
-                </a:ext>
-              </a:extLst>
-            </p:cNvPr>
-            <p:cNvSpPr txBox="1"/>
-            <p:nvPr/>
-          </p:nvSpPr>
-          <p:spPr>
-            <a:xfrm>
-              <a:off x="5696050" y="3951120"/>
-              <a:ext cx="2182303" cy="369332"/>
-            </a:xfrm>
-            <a:prstGeom prst="rect">
-              <a:avLst/>
-            </a:prstGeom>
-            <a:solidFill>
-              <a:schemeClr val="accent2"/>
-            </a:solidFill>
-          </p:spPr>
-          <p:txBody>
-            <a:bodyPr wrap="square" rtlCol="0">
-              <a:spAutoFit/>
-            </a:bodyPr>
-            <a:lstStyle/>
-            <a:p>
-              <a:pPr algn="ctr"/>
-              <a:r>
-                <a:rPr lang="en-US" dirty="0"/>
-                <a:t>Root Disease</a:t>
-              </a:r>
-            </a:p>
-          </p:txBody>
-        </p:sp>
-        <p:cxnSp>
-          <p:nvCxnSpPr>
-            <p:cNvPr id="19" name="Straight Arrow Connector 18">
-              <a:extLst>
-                <a:ext uri="{FF2B5EF4-FFF2-40B4-BE49-F238E27FC236}">
-                  <a16:creationId xmlns:a16="http://schemas.microsoft.com/office/drawing/2014/main" id="{D77B18BB-AEA8-4391-9162-21F795001AB7}"/>
-                </a:ext>
-              </a:extLst>
-            </p:cNvPr>
-            <p:cNvCxnSpPr/>
-            <p:nvPr/>
-          </p:nvCxnSpPr>
-          <p:spPr>
-            <a:xfrm>
-              <a:off x="10263614" y="4699344"/>
-              <a:ext cx="0" cy="700042"/>
-            </a:xfrm>
-            <a:prstGeom prst="straightConnector1">
-              <a:avLst/>
-            </a:prstGeom>
-            <a:ln w="76200">
-              <a:solidFill>
-                <a:schemeClr val="tx1"/>
-              </a:solidFill>
-              <a:tailEnd type="triangle"/>
-            </a:ln>
-          </p:spPr>
-          <p:style>
-            <a:lnRef idx="1">
-              <a:schemeClr val="accent1"/>
-            </a:lnRef>
-            <a:fillRef idx="0">
-              <a:schemeClr val="accent1"/>
-            </a:fillRef>
-            <a:effectRef idx="0">
-              <a:schemeClr val="accent1"/>
-            </a:effectRef>
-            <a:fontRef idx="minor">
-              <a:schemeClr val="tx1"/>
-            </a:fontRef>
-          </p:style>
-        </p:cxnSp>
-        <p:sp>
-          <p:nvSpPr>
-            <p:cNvPr id="20" name="TextBox 19">
-              <a:extLst>
-                <a:ext uri="{FF2B5EF4-FFF2-40B4-BE49-F238E27FC236}">
-                  <a16:creationId xmlns:a16="http://schemas.microsoft.com/office/drawing/2014/main" id="{ED3A9144-B4D4-4251-A7F4-30E4F1BBE115}"/>
-                </a:ext>
-              </a:extLst>
-            </p:cNvPr>
-            <p:cNvSpPr txBox="1"/>
-            <p:nvPr/>
-          </p:nvSpPr>
-          <p:spPr>
-            <a:xfrm>
-              <a:off x="9766991" y="5608459"/>
-              <a:ext cx="1016625" cy="369332"/>
-            </a:xfrm>
-            <a:prstGeom prst="rect">
-              <a:avLst/>
-            </a:prstGeom>
-            <a:noFill/>
-          </p:spPr>
-          <p:txBody>
-            <a:bodyPr wrap="none" rtlCol="0">
-              <a:spAutoFit/>
-            </a:bodyPr>
-            <a:lstStyle/>
-            <a:p>
-              <a:r>
-                <a:rPr lang="en-US" i="1" dirty="0"/>
-                <a:t>Leaching</a:t>
-              </a:r>
-            </a:p>
-          </p:txBody>
-        </p:sp>
-        <p:sp>
-          <p:nvSpPr>
-            <p:cNvPr id="21" name="TextBox 20">
-              <a:extLst>
-                <a:ext uri="{FF2B5EF4-FFF2-40B4-BE49-F238E27FC236}">
-                  <a16:creationId xmlns:a16="http://schemas.microsoft.com/office/drawing/2014/main" id="{A6B3089D-C199-487D-88EF-641C0210CA30}"/>
-                </a:ext>
-              </a:extLst>
-            </p:cNvPr>
-            <p:cNvSpPr txBox="1"/>
-            <p:nvPr/>
-          </p:nvSpPr>
-          <p:spPr>
-            <a:xfrm>
-              <a:off x="6011059" y="5003420"/>
-              <a:ext cx="1552284" cy="369332"/>
-            </a:xfrm>
-            <a:prstGeom prst="rect">
-              <a:avLst/>
-            </a:prstGeom>
-            <a:solidFill>
-              <a:schemeClr val="accent2"/>
-            </a:solidFill>
-          </p:spPr>
-          <p:txBody>
-            <a:bodyPr wrap="none" rtlCol="0">
-              <a:spAutoFit/>
-            </a:bodyPr>
-            <a:lstStyle/>
-            <a:p>
-              <a:r>
-                <a:rPr lang="en-US" dirty="0"/>
-                <a:t>Root Structure</a:t>
-              </a:r>
-            </a:p>
-          </p:txBody>
-        </p:sp>
-        <p:cxnSp>
-          <p:nvCxnSpPr>
-            <p:cNvPr id="22" name="Straight Arrow Connector 21">
-              <a:extLst>
-                <a:ext uri="{FF2B5EF4-FFF2-40B4-BE49-F238E27FC236}">
-                  <a16:creationId xmlns:a16="http://schemas.microsoft.com/office/drawing/2014/main" id="{EAF6C373-260B-4F8F-893C-F222EC26A418}"/>
-                </a:ext>
-              </a:extLst>
-            </p:cNvPr>
-            <p:cNvCxnSpPr>
-              <a:endCxn id="17" idx="0"/>
-            </p:cNvCxnSpPr>
-            <p:nvPr/>
-          </p:nvCxnSpPr>
-          <p:spPr>
-            <a:xfrm>
-              <a:off x="646744" y="2467992"/>
-              <a:ext cx="1" cy="395220"/>
-            </a:xfrm>
-            <a:prstGeom prst="straightConnector1">
-              <a:avLst/>
-            </a:prstGeom>
-            <a:ln w="3175">
-              <a:solidFill>
-                <a:schemeClr val="tx1"/>
-              </a:solidFill>
-              <a:tailEnd type="triangle"/>
-            </a:ln>
-          </p:spPr>
-          <p:style>
-            <a:lnRef idx="1">
-              <a:schemeClr val="accent1"/>
-            </a:lnRef>
-            <a:fillRef idx="0">
-              <a:schemeClr val="accent1"/>
-            </a:fillRef>
-            <a:effectRef idx="0">
-              <a:schemeClr val="accent1"/>
-            </a:effectRef>
-            <a:fontRef idx="minor">
-              <a:schemeClr val="tx1"/>
-            </a:fontRef>
-          </p:style>
-        </p:cxnSp>
-        <p:cxnSp>
-          <p:nvCxnSpPr>
-            <p:cNvPr id="23" name="Straight Arrow Connector 22">
-              <a:extLst>
-                <a:ext uri="{FF2B5EF4-FFF2-40B4-BE49-F238E27FC236}">
-                  <a16:creationId xmlns:a16="http://schemas.microsoft.com/office/drawing/2014/main" id="{E8758301-11F2-458A-B94A-1619C6CE2774}"/>
-                </a:ext>
-              </a:extLst>
-            </p:cNvPr>
-            <p:cNvCxnSpPr/>
-            <p:nvPr/>
-          </p:nvCxnSpPr>
-          <p:spPr>
-            <a:xfrm>
-              <a:off x="2391634" y="2467992"/>
-              <a:ext cx="1" cy="395220"/>
-            </a:xfrm>
-            <a:prstGeom prst="straightConnector1">
-              <a:avLst/>
-            </a:prstGeom>
-            <a:ln w="3175">
-              <a:solidFill>
-                <a:schemeClr val="tx1"/>
-              </a:solidFill>
-              <a:prstDash val="solid"/>
-              <a:tailEnd type="triangle"/>
-            </a:ln>
-          </p:spPr>
-          <p:style>
-            <a:lnRef idx="1">
-              <a:schemeClr val="accent1"/>
-            </a:lnRef>
-            <a:fillRef idx="0">
-              <a:schemeClr val="accent1"/>
-            </a:fillRef>
-            <a:effectRef idx="0">
-              <a:schemeClr val="accent1"/>
-            </a:effectRef>
-            <a:fontRef idx="minor">
-              <a:schemeClr val="tx1"/>
-            </a:fontRef>
-          </p:style>
-        </p:cxnSp>
-        <p:cxnSp>
-          <p:nvCxnSpPr>
-            <p:cNvPr id="24" name="Straight Arrow Connector 23">
-              <a:extLst>
-                <a:ext uri="{FF2B5EF4-FFF2-40B4-BE49-F238E27FC236}">
-                  <a16:creationId xmlns:a16="http://schemas.microsoft.com/office/drawing/2014/main" id="{DC770C0B-7BF9-47C4-8596-41E2EEE07514}"/>
-                </a:ext>
-              </a:extLst>
-            </p:cNvPr>
-            <p:cNvCxnSpPr/>
-            <p:nvPr/>
-          </p:nvCxnSpPr>
-          <p:spPr>
-            <a:xfrm>
-              <a:off x="4277775" y="2467992"/>
-              <a:ext cx="1" cy="395220"/>
-            </a:xfrm>
-            <a:prstGeom prst="straightConnector1">
-              <a:avLst/>
-            </a:prstGeom>
-            <a:ln w="3175">
-              <a:solidFill>
-                <a:schemeClr val="tx1"/>
-              </a:solidFill>
-              <a:tailEnd type="triangle"/>
-            </a:ln>
-          </p:spPr>
-          <p:style>
-            <a:lnRef idx="1">
-              <a:schemeClr val="accent1"/>
-            </a:lnRef>
-            <a:fillRef idx="0">
-              <a:schemeClr val="accent1"/>
-            </a:fillRef>
-            <a:effectRef idx="0">
-              <a:schemeClr val="accent1"/>
-            </a:effectRef>
-            <a:fontRef idx="minor">
-              <a:schemeClr val="tx1"/>
-            </a:fontRef>
-          </p:style>
-        </p:cxnSp>
-        <p:cxnSp>
-          <p:nvCxnSpPr>
-            <p:cNvPr id="25" name="Straight Arrow Connector 24">
-              <a:extLst>
-                <a:ext uri="{FF2B5EF4-FFF2-40B4-BE49-F238E27FC236}">
-                  <a16:creationId xmlns:a16="http://schemas.microsoft.com/office/drawing/2014/main" id="{B07836CF-0384-436B-9024-A6FF65CD2A74}"/>
-                </a:ext>
-              </a:extLst>
-            </p:cNvPr>
-            <p:cNvCxnSpPr/>
-            <p:nvPr/>
-          </p:nvCxnSpPr>
-          <p:spPr>
-            <a:xfrm>
-              <a:off x="6035435" y="2481240"/>
-              <a:ext cx="1" cy="395220"/>
-            </a:xfrm>
-            <a:prstGeom prst="straightConnector1">
-              <a:avLst/>
-            </a:prstGeom>
-            <a:ln w="3175">
-              <a:solidFill>
-                <a:schemeClr val="tx1"/>
-              </a:solidFill>
-              <a:tailEnd type="triangle"/>
-            </a:ln>
-          </p:spPr>
-          <p:style>
-            <a:lnRef idx="1">
-              <a:schemeClr val="accent1"/>
-            </a:lnRef>
-            <a:fillRef idx="0">
-              <a:schemeClr val="accent1"/>
-            </a:fillRef>
-            <a:effectRef idx="0">
-              <a:schemeClr val="accent1"/>
-            </a:effectRef>
-            <a:fontRef idx="minor">
-              <a:schemeClr val="tx1"/>
-            </a:fontRef>
-          </p:style>
-        </p:cxnSp>
-        <p:cxnSp>
-          <p:nvCxnSpPr>
-            <p:cNvPr id="26" name="Straight Connector 25">
-              <a:extLst>
-                <a:ext uri="{FF2B5EF4-FFF2-40B4-BE49-F238E27FC236}">
-                  <a16:creationId xmlns:a16="http://schemas.microsoft.com/office/drawing/2014/main" id="{B6870742-0217-4483-9E16-A16DB2947780}"/>
-                </a:ext>
-              </a:extLst>
-            </p:cNvPr>
-            <p:cNvCxnSpPr/>
-            <p:nvPr/>
-          </p:nvCxnSpPr>
-          <p:spPr>
-            <a:xfrm>
-              <a:off x="660905" y="2481240"/>
-              <a:ext cx="5374531" cy="0"/>
-            </a:xfrm>
-            <a:prstGeom prst="line">
-              <a:avLst/>
-            </a:prstGeom>
-            <a:ln w="3175">
-              <a:solidFill>
-                <a:schemeClr val="tx1"/>
-              </a:solidFill>
-            </a:ln>
-          </p:spPr>
-          <p:style>
-            <a:lnRef idx="1">
-              <a:schemeClr val="accent1"/>
-            </a:lnRef>
-            <a:fillRef idx="0">
-              <a:schemeClr val="accent1"/>
-            </a:fillRef>
-            <a:effectRef idx="0">
-              <a:schemeClr val="accent1"/>
-            </a:effectRef>
-            <a:fontRef idx="minor">
-              <a:schemeClr val="tx1"/>
-            </a:fontRef>
-          </p:style>
-        </p:cxnSp>
-        <p:cxnSp>
-          <p:nvCxnSpPr>
-            <p:cNvPr id="27" name="Straight Arrow Connector 26">
-              <a:extLst>
-                <a:ext uri="{FF2B5EF4-FFF2-40B4-BE49-F238E27FC236}">
-                  <a16:creationId xmlns:a16="http://schemas.microsoft.com/office/drawing/2014/main" id="{7B942E9B-56C0-4C43-AA6A-F13E85D8C478}"/>
-                </a:ext>
-              </a:extLst>
-            </p:cNvPr>
-            <p:cNvCxnSpPr/>
-            <p:nvPr/>
-          </p:nvCxnSpPr>
-          <p:spPr>
-            <a:xfrm>
-              <a:off x="3734941" y="2105701"/>
-              <a:ext cx="1" cy="395220"/>
-            </a:xfrm>
-            <a:prstGeom prst="straightConnector1">
-              <a:avLst/>
-            </a:prstGeom>
-            <a:ln w="3175">
-              <a:solidFill>
-                <a:schemeClr val="tx1"/>
-              </a:solidFill>
-              <a:tailEnd type="triangle"/>
-            </a:ln>
-          </p:spPr>
-          <p:style>
-            <a:lnRef idx="1">
-              <a:schemeClr val="accent1"/>
-            </a:lnRef>
-            <a:fillRef idx="0">
-              <a:schemeClr val="accent1"/>
-            </a:fillRef>
-            <a:effectRef idx="0">
-              <a:schemeClr val="accent1"/>
-            </a:effectRef>
-            <a:fontRef idx="minor">
-              <a:schemeClr val="tx1"/>
-            </a:fontRef>
-          </p:style>
-        </p:cxnSp>
-        <p:cxnSp>
-          <p:nvCxnSpPr>
-            <p:cNvPr id="28" name="Straight Arrow Connector 27">
-              <a:extLst>
-                <a:ext uri="{FF2B5EF4-FFF2-40B4-BE49-F238E27FC236}">
-                  <a16:creationId xmlns:a16="http://schemas.microsoft.com/office/drawing/2014/main" id="{152EC382-924F-43F2-BDDD-D87D61F08ACE}"/>
-                </a:ext>
-              </a:extLst>
-            </p:cNvPr>
-            <p:cNvCxnSpPr>
-              <a:cxnSpLocks/>
-              <a:stCxn id="4" idx="3"/>
-              <a:endCxn id="8" idx="1"/>
-            </p:cNvCxnSpPr>
-            <p:nvPr/>
-          </p:nvCxnSpPr>
-          <p:spPr>
-            <a:xfrm flipV="1">
-              <a:off x="7614723" y="1918294"/>
-              <a:ext cx="1163549" cy="4888"/>
-            </a:xfrm>
-            <a:prstGeom prst="straightConnector1">
-              <a:avLst/>
-            </a:prstGeom>
-            <a:ln w="76200">
-              <a:solidFill>
-                <a:schemeClr val="tx1"/>
-              </a:solidFill>
-              <a:tailEnd type="triangle"/>
-            </a:ln>
-          </p:spPr>
-          <p:style>
-            <a:lnRef idx="1">
-              <a:schemeClr val="accent1"/>
-            </a:lnRef>
-            <a:fillRef idx="0">
-              <a:schemeClr val="accent1"/>
-            </a:fillRef>
-            <a:effectRef idx="0">
-              <a:schemeClr val="accent1"/>
-            </a:effectRef>
-            <a:fontRef idx="minor">
-              <a:schemeClr val="tx1"/>
-            </a:fontRef>
-          </p:style>
-        </p:cxnSp>
-        <p:cxnSp>
-          <p:nvCxnSpPr>
-            <p:cNvPr id="29" name="Straight Arrow Connector 28">
-              <a:extLst>
-                <a:ext uri="{FF2B5EF4-FFF2-40B4-BE49-F238E27FC236}">
-                  <a16:creationId xmlns:a16="http://schemas.microsoft.com/office/drawing/2014/main" id="{C9589A03-B1C7-429B-BFEA-F44A43353897}"/>
-                </a:ext>
-              </a:extLst>
-            </p:cNvPr>
-            <p:cNvCxnSpPr/>
-            <p:nvPr/>
-          </p:nvCxnSpPr>
-          <p:spPr>
-            <a:xfrm>
-              <a:off x="9640836" y="2114386"/>
-              <a:ext cx="0" cy="700042"/>
-            </a:xfrm>
-            <a:prstGeom prst="straightConnector1">
-              <a:avLst/>
-            </a:prstGeom>
-            <a:ln w="76200">
-              <a:solidFill>
-                <a:schemeClr val="tx1"/>
-              </a:solidFill>
-              <a:tailEnd type="triangle"/>
-            </a:ln>
-          </p:spPr>
-          <p:style>
-            <a:lnRef idx="1">
-              <a:schemeClr val="accent1"/>
-            </a:lnRef>
-            <a:fillRef idx="0">
-              <a:schemeClr val="accent1"/>
-            </a:fillRef>
-            <a:effectRef idx="0">
-              <a:schemeClr val="accent1"/>
-            </a:effectRef>
-            <a:fontRef idx="minor">
-              <a:schemeClr val="tx1"/>
-            </a:fontRef>
-          </p:style>
-        </p:cxnSp>
-        <p:cxnSp>
-          <p:nvCxnSpPr>
-            <p:cNvPr id="30" name="Straight Arrow Connector 29">
-              <a:extLst>
-                <a:ext uri="{FF2B5EF4-FFF2-40B4-BE49-F238E27FC236}">
-                  <a16:creationId xmlns:a16="http://schemas.microsoft.com/office/drawing/2014/main" id="{5AD0AB39-A10E-4BE0-BB2B-3BD4C7ECA9EA}"/>
-                </a:ext>
-              </a:extLst>
-            </p:cNvPr>
-            <p:cNvCxnSpPr>
-              <a:stCxn id="21" idx="2"/>
-              <a:endCxn id="7" idx="0"/>
-            </p:cNvCxnSpPr>
-            <p:nvPr/>
-          </p:nvCxnSpPr>
-          <p:spPr>
-            <a:xfrm>
-              <a:off x="6787201" y="5372752"/>
-              <a:ext cx="22" cy="639949"/>
-            </a:xfrm>
-            <a:prstGeom prst="straightConnector1">
-              <a:avLst/>
-            </a:prstGeom>
-            <a:ln w="76200">
-              <a:solidFill>
-                <a:schemeClr val="tx1"/>
-              </a:solidFill>
-              <a:tailEnd type="triangle"/>
-            </a:ln>
-          </p:spPr>
-          <p:style>
-            <a:lnRef idx="1">
-              <a:schemeClr val="accent1"/>
-            </a:lnRef>
-            <a:fillRef idx="0">
-              <a:schemeClr val="accent1"/>
-            </a:fillRef>
-            <a:effectRef idx="0">
-              <a:schemeClr val="accent1"/>
-            </a:effectRef>
-            <a:fontRef idx="minor">
-              <a:schemeClr val="tx1"/>
-            </a:fontRef>
-          </p:style>
-        </p:cxnSp>
-        <p:cxnSp>
-          <p:nvCxnSpPr>
-            <p:cNvPr id="31" name="Straight Arrow Connector 30">
-              <a:extLst>
-                <a:ext uri="{FF2B5EF4-FFF2-40B4-BE49-F238E27FC236}">
-                  <a16:creationId xmlns:a16="http://schemas.microsoft.com/office/drawing/2014/main" id="{71811C9C-4023-402A-A15C-68381C061496}"/>
-                </a:ext>
-              </a:extLst>
-            </p:cNvPr>
-            <p:cNvCxnSpPr>
-              <a:cxnSpLocks/>
-            </p:cNvCxnSpPr>
-            <p:nvPr/>
-          </p:nvCxnSpPr>
-          <p:spPr>
-            <a:xfrm flipH="1">
-              <a:off x="6787201" y="5661843"/>
-              <a:ext cx="2054959" cy="0"/>
-            </a:xfrm>
-            <a:prstGeom prst="straightConnector1">
-              <a:avLst/>
-            </a:prstGeom>
-            <a:ln w="76200">
-              <a:solidFill>
-                <a:schemeClr val="tx1"/>
-              </a:solidFill>
-              <a:tailEnd type="triangle"/>
-            </a:ln>
-          </p:spPr>
-          <p:style>
-            <a:lnRef idx="1">
-              <a:schemeClr val="accent1"/>
-            </a:lnRef>
-            <a:fillRef idx="0">
-              <a:schemeClr val="accent1"/>
-            </a:fillRef>
-            <a:effectRef idx="0">
-              <a:schemeClr val="accent1"/>
-            </a:effectRef>
-            <a:fontRef idx="minor">
-              <a:schemeClr val="tx1"/>
-            </a:fontRef>
-          </p:style>
-        </p:cxnSp>
-        <p:cxnSp>
-          <p:nvCxnSpPr>
-            <p:cNvPr id="32" name="Straight Connector 31">
-              <a:extLst>
-                <a:ext uri="{FF2B5EF4-FFF2-40B4-BE49-F238E27FC236}">
-                  <a16:creationId xmlns:a16="http://schemas.microsoft.com/office/drawing/2014/main" id="{DEBC20ED-D21B-45A6-B760-145E67A27779}"/>
-                </a:ext>
-              </a:extLst>
-            </p:cNvPr>
-            <p:cNvCxnSpPr/>
-            <p:nvPr/>
-          </p:nvCxnSpPr>
-          <p:spPr>
-            <a:xfrm>
-              <a:off x="8831540" y="4690213"/>
-              <a:ext cx="0" cy="971630"/>
-            </a:xfrm>
-            <a:prstGeom prst="line">
-              <a:avLst/>
-            </a:prstGeom>
-            <a:ln w="76200">
-              <a:solidFill>
-                <a:schemeClr val="tx1"/>
-              </a:solidFill>
-            </a:ln>
-          </p:spPr>
-          <p:style>
-            <a:lnRef idx="1">
-              <a:schemeClr val="accent1"/>
-            </a:lnRef>
-            <a:fillRef idx="0">
-              <a:schemeClr val="accent1"/>
-            </a:fillRef>
-            <a:effectRef idx="0">
-              <a:schemeClr val="accent1"/>
-            </a:effectRef>
-            <a:fontRef idx="minor">
-              <a:schemeClr val="tx1"/>
-            </a:fontRef>
-          </p:style>
-        </p:cxnSp>
-        <p:cxnSp>
-          <p:nvCxnSpPr>
-            <p:cNvPr id="33" name="Straight Arrow Connector 32">
-              <a:extLst>
-                <a:ext uri="{FF2B5EF4-FFF2-40B4-BE49-F238E27FC236}">
-                  <a16:creationId xmlns:a16="http://schemas.microsoft.com/office/drawing/2014/main" id="{08B7160C-8066-4245-AF84-D5BDE4BCAD34}"/>
-                </a:ext>
-              </a:extLst>
-            </p:cNvPr>
-            <p:cNvCxnSpPr>
-              <a:cxnSpLocks/>
-            </p:cNvCxnSpPr>
-            <p:nvPr/>
-          </p:nvCxnSpPr>
-          <p:spPr>
-            <a:xfrm>
-              <a:off x="6769336" y="3061904"/>
-              <a:ext cx="1523246" cy="0"/>
-            </a:xfrm>
-            <a:prstGeom prst="straightConnector1">
-              <a:avLst/>
-            </a:prstGeom>
-            <a:ln w="38100">
-              <a:solidFill>
-                <a:schemeClr val="tx1"/>
-              </a:solidFill>
-              <a:tailEnd type="triangle"/>
-            </a:ln>
-          </p:spPr>
-          <p:style>
-            <a:lnRef idx="1">
-              <a:schemeClr val="accent1"/>
-            </a:lnRef>
-            <a:fillRef idx="0">
-              <a:schemeClr val="accent1"/>
-            </a:fillRef>
-            <a:effectRef idx="0">
-              <a:schemeClr val="accent1"/>
-            </a:effectRef>
-            <a:fontRef idx="minor">
-              <a:schemeClr val="tx1"/>
-            </a:fontRef>
-          </p:style>
-        </p:cxnSp>
-        <p:cxnSp>
-          <p:nvCxnSpPr>
-            <p:cNvPr id="34" name="Straight Connector 33">
-              <a:extLst>
-                <a:ext uri="{FF2B5EF4-FFF2-40B4-BE49-F238E27FC236}">
-                  <a16:creationId xmlns:a16="http://schemas.microsoft.com/office/drawing/2014/main" id="{4C346A5E-FE92-4948-A986-A1ED894BE4D4}"/>
-                </a:ext>
-              </a:extLst>
-            </p:cNvPr>
-            <p:cNvCxnSpPr>
-              <a:cxnSpLocks/>
-            </p:cNvCxnSpPr>
-            <p:nvPr/>
-          </p:nvCxnSpPr>
-          <p:spPr>
-            <a:xfrm>
-              <a:off x="4277775" y="3232544"/>
-              <a:ext cx="0" cy="359288"/>
-            </a:xfrm>
-            <a:prstGeom prst="line">
-              <a:avLst/>
-            </a:prstGeom>
-            <a:ln w="38100">
-              <a:solidFill>
-                <a:schemeClr val="tx1"/>
-              </a:solidFill>
-            </a:ln>
-          </p:spPr>
-          <p:style>
-            <a:lnRef idx="1">
-              <a:schemeClr val="accent1"/>
-            </a:lnRef>
-            <a:fillRef idx="0">
-              <a:schemeClr val="accent1"/>
-            </a:fillRef>
-            <a:effectRef idx="0">
-              <a:schemeClr val="accent1"/>
-            </a:effectRef>
-            <a:fontRef idx="minor">
-              <a:schemeClr val="tx1"/>
-            </a:fontRef>
-          </p:style>
-        </p:cxnSp>
-        <p:cxnSp>
-          <p:nvCxnSpPr>
-            <p:cNvPr id="35" name="Straight Arrow Connector 34">
-              <a:extLst>
-                <a:ext uri="{FF2B5EF4-FFF2-40B4-BE49-F238E27FC236}">
-                  <a16:creationId xmlns:a16="http://schemas.microsoft.com/office/drawing/2014/main" id="{10A20CD7-3533-4306-B1F6-D7958E37D72C}"/>
-                </a:ext>
-              </a:extLst>
-            </p:cNvPr>
-            <p:cNvCxnSpPr>
-              <a:cxnSpLocks/>
-            </p:cNvCxnSpPr>
-            <p:nvPr/>
-          </p:nvCxnSpPr>
-          <p:spPr>
-            <a:xfrm>
-              <a:off x="4279277" y="3591832"/>
-              <a:ext cx="4013305" cy="0"/>
-            </a:xfrm>
-            <a:prstGeom prst="straightConnector1">
-              <a:avLst/>
-            </a:prstGeom>
-            <a:ln w="38100">
-              <a:solidFill>
-                <a:schemeClr val="tx1"/>
-              </a:solidFill>
-              <a:tailEnd type="triangle"/>
-            </a:ln>
-          </p:spPr>
-          <p:style>
-            <a:lnRef idx="1">
-              <a:schemeClr val="accent1"/>
-            </a:lnRef>
-            <a:fillRef idx="0">
-              <a:schemeClr val="accent1"/>
-            </a:fillRef>
-            <a:effectRef idx="0">
-              <a:schemeClr val="accent1"/>
-            </a:effectRef>
-            <a:fontRef idx="minor">
-              <a:schemeClr val="tx1"/>
-            </a:fontRef>
-          </p:style>
-        </p:cxnSp>
-        <p:cxnSp>
-          <p:nvCxnSpPr>
-            <p:cNvPr id="36" name="Straight Arrow Connector 35">
-              <a:extLst>
-                <a:ext uri="{FF2B5EF4-FFF2-40B4-BE49-F238E27FC236}">
-                  <a16:creationId xmlns:a16="http://schemas.microsoft.com/office/drawing/2014/main" id="{4DDAD254-CF26-459B-B5E6-980C4407CA6F}"/>
-                </a:ext>
-              </a:extLst>
-            </p:cNvPr>
-            <p:cNvCxnSpPr/>
-            <p:nvPr/>
-          </p:nvCxnSpPr>
-          <p:spPr>
-            <a:xfrm>
-              <a:off x="4270210" y="3532044"/>
-              <a:ext cx="1" cy="395220"/>
-            </a:xfrm>
-            <a:prstGeom prst="straightConnector1">
-              <a:avLst/>
-            </a:prstGeom>
-            <a:ln>
-              <a:solidFill>
-                <a:schemeClr val="tx1"/>
-              </a:solidFill>
-              <a:tailEnd type="triangle"/>
-            </a:ln>
-          </p:spPr>
-          <p:style>
-            <a:lnRef idx="1">
-              <a:schemeClr val="accent1"/>
-            </a:lnRef>
-            <a:fillRef idx="0">
-              <a:schemeClr val="accent1"/>
-            </a:fillRef>
-            <a:effectRef idx="0">
-              <a:schemeClr val="accent1"/>
-            </a:effectRef>
-            <a:fontRef idx="minor">
-              <a:schemeClr val="tx1"/>
-            </a:fontRef>
-          </p:style>
-        </p:cxnSp>
-        <p:cxnSp>
-          <p:nvCxnSpPr>
-            <p:cNvPr id="37" name="Straight Arrow Connector 36">
-              <a:extLst>
-                <a:ext uri="{FF2B5EF4-FFF2-40B4-BE49-F238E27FC236}">
-                  <a16:creationId xmlns:a16="http://schemas.microsoft.com/office/drawing/2014/main" id="{E9C80FFE-8CF6-47D3-94E7-3A714666A4D5}"/>
-                </a:ext>
-              </a:extLst>
-            </p:cNvPr>
-            <p:cNvCxnSpPr>
-              <a:cxnSpLocks/>
-              <a:stCxn id="18" idx="2"/>
-            </p:cNvCxnSpPr>
-            <p:nvPr/>
-          </p:nvCxnSpPr>
-          <p:spPr>
-            <a:xfrm flipH="1">
-              <a:off x="6787201" y="4320452"/>
-              <a:ext cx="1" cy="675752"/>
-            </a:xfrm>
-            <a:prstGeom prst="straightConnector1">
-              <a:avLst/>
-            </a:prstGeom>
-            <a:ln w="76200">
-              <a:solidFill>
-                <a:schemeClr val="tx1"/>
-              </a:solidFill>
-              <a:tailEnd type="triangle"/>
-            </a:ln>
-          </p:spPr>
-          <p:style>
-            <a:lnRef idx="1">
-              <a:schemeClr val="accent1"/>
-            </a:lnRef>
-            <a:fillRef idx="0">
-              <a:schemeClr val="accent1"/>
-            </a:fillRef>
-            <a:effectRef idx="0">
-              <a:schemeClr val="accent1"/>
-            </a:effectRef>
-            <a:fontRef idx="minor">
-              <a:schemeClr val="tx1"/>
-            </a:fontRef>
-          </p:style>
-        </p:cxnSp>
-        <p:cxnSp>
-          <p:nvCxnSpPr>
-            <p:cNvPr id="38" name="Straight Arrow Connector 37">
-              <a:extLst>
-                <a:ext uri="{FF2B5EF4-FFF2-40B4-BE49-F238E27FC236}">
-                  <a16:creationId xmlns:a16="http://schemas.microsoft.com/office/drawing/2014/main" id="{5DA4B520-4EA1-4EF9-A691-CD689E0F7A02}"/>
-                </a:ext>
-              </a:extLst>
-            </p:cNvPr>
-            <p:cNvCxnSpPr>
-              <a:cxnSpLocks/>
-            </p:cNvCxnSpPr>
-            <p:nvPr/>
-          </p:nvCxnSpPr>
-          <p:spPr>
-            <a:xfrm>
-              <a:off x="3734940" y="678035"/>
-              <a:ext cx="1" cy="1044412"/>
-            </a:xfrm>
-            <a:prstGeom prst="straightConnector1">
-              <a:avLst/>
-            </a:prstGeom>
-            <a:ln w="76200">
-              <a:solidFill>
-                <a:schemeClr val="tx1"/>
-              </a:solidFill>
-              <a:tailEnd type="triangle"/>
-            </a:ln>
-          </p:spPr>
-          <p:style>
-            <a:lnRef idx="1">
-              <a:schemeClr val="accent1"/>
-            </a:lnRef>
-            <a:fillRef idx="0">
-              <a:schemeClr val="accent1"/>
-            </a:fillRef>
-            <a:effectRef idx="0">
-              <a:schemeClr val="accent1"/>
-            </a:effectRef>
-            <a:fontRef idx="minor">
-              <a:schemeClr val="tx1"/>
-            </a:fontRef>
-          </p:style>
-        </p:cxnSp>
-        <p:cxnSp>
-          <p:nvCxnSpPr>
-            <p:cNvPr id="39" name="Straight Arrow Connector 38">
-              <a:extLst>
-                <a:ext uri="{FF2B5EF4-FFF2-40B4-BE49-F238E27FC236}">
-                  <a16:creationId xmlns:a16="http://schemas.microsoft.com/office/drawing/2014/main" id="{F214395C-C93D-4119-AEF1-CE58E384CBE3}"/>
-                </a:ext>
-              </a:extLst>
-            </p:cNvPr>
-            <p:cNvCxnSpPr>
-              <a:cxnSpLocks/>
-            </p:cNvCxnSpPr>
-            <p:nvPr/>
-          </p:nvCxnSpPr>
-          <p:spPr>
-            <a:xfrm>
-              <a:off x="6659879" y="753063"/>
-              <a:ext cx="0" cy="991991"/>
-            </a:xfrm>
-            <a:prstGeom prst="straightConnector1">
-              <a:avLst/>
-            </a:prstGeom>
-            <a:ln w="76200">
-              <a:solidFill>
-                <a:schemeClr val="tx1"/>
-              </a:solidFill>
-              <a:tailEnd type="triangle"/>
-            </a:ln>
-          </p:spPr>
-          <p:style>
-            <a:lnRef idx="1">
-              <a:schemeClr val="accent1"/>
-            </a:lnRef>
-            <a:fillRef idx="0">
-              <a:schemeClr val="accent1"/>
-            </a:fillRef>
-            <a:effectRef idx="0">
-              <a:schemeClr val="accent1"/>
-            </a:effectRef>
-            <a:fontRef idx="minor">
-              <a:schemeClr val="tx1"/>
-            </a:fontRef>
-          </p:style>
-        </p:cxnSp>
-        <p:sp>
-          <p:nvSpPr>
-            <p:cNvPr id="40" name="TextBox 39">
-              <a:extLst>
-                <a:ext uri="{FF2B5EF4-FFF2-40B4-BE49-F238E27FC236}">
-                  <a16:creationId xmlns:a16="http://schemas.microsoft.com/office/drawing/2014/main" id="{265FD667-97CB-415F-A23B-22524C688C01}"/>
-                </a:ext>
-              </a:extLst>
-            </p:cNvPr>
-            <p:cNvSpPr txBox="1"/>
-            <p:nvPr/>
-          </p:nvSpPr>
-          <p:spPr>
-            <a:xfrm>
-              <a:off x="3396578" y="405400"/>
-              <a:ext cx="7621449" cy="369332"/>
-            </a:xfrm>
-            <a:prstGeom prst="rect">
-              <a:avLst/>
-            </a:prstGeom>
-            <a:solidFill>
-              <a:schemeClr val="accent4"/>
-            </a:solidFill>
-          </p:spPr>
-          <p:txBody>
-            <a:bodyPr wrap="square" rtlCol="0">
-              <a:spAutoFit/>
-            </a:bodyPr>
-            <a:lstStyle/>
-            <a:p>
-              <a:pPr algn="ctr"/>
-              <a:r>
-                <a:rPr lang="en-US" dirty="0"/>
-                <a:t>Previous Crop</a:t>
-              </a:r>
-            </a:p>
-          </p:txBody>
-        </p:sp>
-        <p:cxnSp>
-          <p:nvCxnSpPr>
-            <p:cNvPr id="41" name="Straight Arrow Connector 40">
-              <a:extLst>
-                <a:ext uri="{FF2B5EF4-FFF2-40B4-BE49-F238E27FC236}">
-                  <a16:creationId xmlns:a16="http://schemas.microsoft.com/office/drawing/2014/main" id="{A810E3C8-5C51-4560-BDCD-7D059E5F3B6F}"/>
-                </a:ext>
-              </a:extLst>
-            </p:cNvPr>
-            <p:cNvCxnSpPr>
-              <a:cxnSpLocks/>
-              <a:endCxn id="7" idx="1"/>
-            </p:cNvCxnSpPr>
-            <p:nvPr/>
-          </p:nvCxnSpPr>
-          <p:spPr>
-            <a:xfrm flipV="1">
-              <a:off x="646744" y="6197367"/>
-              <a:ext cx="5572246" cy="5883"/>
-            </a:xfrm>
-            <a:prstGeom prst="straightConnector1">
-              <a:avLst/>
-            </a:prstGeom>
-            <a:ln w="3175">
-              <a:solidFill>
-                <a:schemeClr val="tx1"/>
-              </a:solidFill>
-              <a:tailEnd type="triangle"/>
-            </a:ln>
-          </p:spPr>
-          <p:style>
-            <a:lnRef idx="1">
-              <a:schemeClr val="accent1"/>
-            </a:lnRef>
-            <a:fillRef idx="0">
-              <a:schemeClr val="accent1"/>
-            </a:fillRef>
-            <a:effectRef idx="0">
-              <a:schemeClr val="accent1"/>
-            </a:effectRef>
-            <a:fontRef idx="minor">
-              <a:schemeClr val="tx1"/>
-            </a:fontRef>
-          </p:style>
-        </p:cxnSp>
-        <p:cxnSp>
-          <p:nvCxnSpPr>
-            <p:cNvPr id="42" name="Straight Connector 41">
-              <a:extLst>
-                <a:ext uri="{FF2B5EF4-FFF2-40B4-BE49-F238E27FC236}">
-                  <a16:creationId xmlns:a16="http://schemas.microsoft.com/office/drawing/2014/main" id="{955A9F74-5ADA-4360-9E7F-1E9A140D23AA}"/>
-                </a:ext>
-              </a:extLst>
-            </p:cNvPr>
-            <p:cNvCxnSpPr>
-              <a:stCxn id="17" idx="2"/>
-            </p:cNvCxnSpPr>
-            <p:nvPr/>
-          </p:nvCxnSpPr>
-          <p:spPr>
-            <a:xfrm flipH="1">
-              <a:off x="646744" y="3232544"/>
-              <a:ext cx="1" cy="2973184"/>
-            </a:xfrm>
-            <a:prstGeom prst="line">
-              <a:avLst/>
-            </a:prstGeom>
-            <a:ln w="3175">
-              <a:solidFill>
-                <a:schemeClr val="tx1"/>
-              </a:solidFill>
-            </a:ln>
-          </p:spPr>
-          <p:style>
-            <a:lnRef idx="1">
-              <a:schemeClr val="accent1"/>
-            </a:lnRef>
-            <a:fillRef idx="0">
-              <a:schemeClr val="accent1"/>
-            </a:fillRef>
-            <a:effectRef idx="0">
-              <a:schemeClr val="accent1"/>
-            </a:effectRef>
-            <a:fontRef idx="minor">
-              <a:schemeClr val="tx1"/>
-            </a:fontRef>
-          </p:style>
-        </p:cxnSp>
-        <p:cxnSp>
-          <p:nvCxnSpPr>
-            <p:cNvPr id="43" name="Straight Connector 42">
-              <a:extLst>
-                <a:ext uri="{FF2B5EF4-FFF2-40B4-BE49-F238E27FC236}">
-                  <a16:creationId xmlns:a16="http://schemas.microsoft.com/office/drawing/2014/main" id="{A31208D7-C49C-431F-B57E-26E50DDE259F}"/>
-                </a:ext>
-              </a:extLst>
-            </p:cNvPr>
-            <p:cNvCxnSpPr/>
-            <p:nvPr/>
-          </p:nvCxnSpPr>
-          <p:spPr>
-            <a:xfrm flipH="1">
-              <a:off x="2391629" y="3230066"/>
-              <a:ext cx="1" cy="2973184"/>
-            </a:xfrm>
-            <a:prstGeom prst="line">
-              <a:avLst/>
-            </a:prstGeom>
-            <a:ln w="3175">
-              <a:solidFill>
-                <a:schemeClr val="tx1"/>
-              </a:solidFill>
-              <a:prstDash val="solid"/>
-            </a:ln>
-          </p:spPr>
-          <p:style>
-            <a:lnRef idx="1">
-              <a:schemeClr val="accent1"/>
-            </a:lnRef>
-            <a:fillRef idx="0">
-              <a:schemeClr val="accent1"/>
-            </a:fillRef>
-            <a:effectRef idx="0">
-              <a:schemeClr val="accent1"/>
-            </a:effectRef>
-            <a:fontRef idx="minor">
-              <a:schemeClr val="tx1"/>
-            </a:fontRef>
-          </p:style>
-        </p:cxnSp>
-        <p:cxnSp>
-          <p:nvCxnSpPr>
-            <p:cNvPr id="44" name="Straight Arrow Connector 43">
-              <a:extLst>
-                <a:ext uri="{FF2B5EF4-FFF2-40B4-BE49-F238E27FC236}">
-                  <a16:creationId xmlns:a16="http://schemas.microsoft.com/office/drawing/2014/main" id="{ED7D683A-6037-41DD-BAB8-D84594A527E9}"/>
-                </a:ext>
-              </a:extLst>
-            </p:cNvPr>
-            <p:cNvCxnSpPr>
-              <a:cxnSpLocks/>
-              <a:stCxn id="14" idx="3"/>
-              <a:endCxn id="18" idx="1"/>
-            </p:cNvCxnSpPr>
-            <p:nvPr/>
-          </p:nvCxnSpPr>
-          <p:spPr>
-            <a:xfrm>
-              <a:off x="5134817" y="4135786"/>
-              <a:ext cx="561233" cy="0"/>
-            </a:xfrm>
-            <a:prstGeom prst="straightConnector1">
-              <a:avLst/>
-            </a:prstGeom>
-            <a:ln w="19050">
-              <a:solidFill>
-                <a:schemeClr val="tx1"/>
-              </a:solidFill>
-              <a:tailEnd type="triangle"/>
-            </a:ln>
-          </p:spPr>
-          <p:style>
-            <a:lnRef idx="1">
-              <a:schemeClr val="accent1"/>
-            </a:lnRef>
-            <a:fillRef idx="0">
-              <a:schemeClr val="accent1"/>
-            </a:fillRef>
-            <a:effectRef idx="0">
-              <a:schemeClr val="accent1"/>
-            </a:effectRef>
-            <a:fontRef idx="minor">
-              <a:schemeClr val="tx1"/>
-            </a:fontRef>
-          </p:style>
-        </p:cxnSp>
-        <p:cxnSp>
-          <p:nvCxnSpPr>
-            <p:cNvPr id="45" name="Straight Connector 44">
-              <a:extLst>
-                <a:ext uri="{FF2B5EF4-FFF2-40B4-BE49-F238E27FC236}">
-                  <a16:creationId xmlns:a16="http://schemas.microsoft.com/office/drawing/2014/main" id="{3BF7EEB6-0B1A-4601-99BE-9AA6015C9E04}"/>
-                </a:ext>
-              </a:extLst>
-            </p:cNvPr>
-            <p:cNvCxnSpPr>
-              <a:cxnSpLocks/>
-            </p:cNvCxnSpPr>
-            <p:nvPr/>
-          </p:nvCxnSpPr>
-          <p:spPr>
-            <a:xfrm flipH="1">
-              <a:off x="3885155" y="5012085"/>
-              <a:ext cx="1" cy="1191165"/>
-            </a:xfrm>
-            <a:prstGeom prst="line">
-              <a:avLst/>
-            </a:prstGeom>
-            <a:ln w="3175">
-              <a:solidFill>
-                <a:schemeClr val="tx1"/>
-              </a:solidFill>
-              <a:prstDash val="solid"/>
-            </a:ln>
-          </p:spPr>
-          <p:style>
-            <a:lnRef idx="1">
-              <a:schemeClr val="accent1"/>
-            </a:lnRef>
-            <a:fillRef idx="0">
-              <a:schemeClr val="accent1"/>
-            </a:fillRef>
-            <a:effectRef idx="0">
-              <a:schemeClr val="accent1"/>
-            </a:effectRef>
-            <a:fontRef idx="minor">
-              <a:schemeClr val="tx1"/>
-            </a:fontRef>
-          </p:style>
-        </p:cxnSp>
-        <p:sp>
-          <p:nvSpPr>
-            <p:cNvPr id="46" name="TextBox 45">
-              <a:extLst>
-                <a:ext uri="{FF2B5EF4-FFF2-40B4-BE49-F238E27FC236}">
-                  <a16:creationId xmlns:a16="http://schemas.microsoft.com/office/drawing/2014/main" id="{6B8BCE35-5D15-4885-966F-98E0DA3A91A9}"/>
-                </a:ext>
-              </a:extLst>
-            </p:cNvPr>
-            <p:cNvSpPr txBox="1"/>
-            <p:nvPr/>
-          </p:nvSpPr>
-          <p:spPr>
-            <a:xfrm>
-              <a:off x="3270460" y="4642753"/>
-              <a:ext cx="1637243" cy="369332"/>
-            </a:xfrm>
-            <a:prstGeom prst="rect">
-              <a:avLst/>
-            </a:prstGeom>
-            <a:solidFill>
-              <a:schemeClr val="accent2"/>
-            </a:solidFill>
-          </p:spPr>
-          <p:txBody>
-            <a:bodyPr wrap="none" rtlCol="0">
-              <a:spAutoFit/>
-            </a:bodyPr>
-            <a:lstStyle/>
-            <a:p>
-              <a:r>
-                <a:rPr lang="en-US" dirty="0"/>
-                <a:t>Emergence Day</a:t>
-              </a:r>
-            </a:p>
-          </p:txBody>
-        </p:sp>
-        <p:cxnSp>
-          <p:nvCxnSpPr>
-            <p:cNvPr id="47" name="Straight Arrow Connector 46">
-              <a:extLst>
-                <a:ext uri="{FF2B5EF4-FFF2-40B4-BE49-F238E27FC236}">
-                  <a16:creationId xmlns:a16="http://schemas.microsoft.com/office/drawing/2014/main" id="{88767F45-2903-495F-9B66-C5E231AB4AF6}"/>
-                </a:ext>
-              </a:extLst>
-            </p:cNvPr>
-            <p:cNvCxnSpPr>
-              <a:cxnSpLocks/>
-            </p:cNvCxnSpPr>
-            <p:nvPr/>
-          </p:nvCxnSpPr>
-          <p:spPr>
-            <a:xfrm>
-              <a:off x="3879803" y="4320452"/>
-              <a:ext cx="0" cy="334067"/>
-            </a:xfrm>
-            <a:prstGeom prst="straightConnector1">
-              <a:avLst/>
-            </a:prstGeom>
-            <a:ln w="3175">
-              <a:solidFill>
-                <a:schemeClr val="tx1"/>
-              </a:solidFill>
-              <a:prstDash val="solid"/>
-              <a:tailEnd type="triangle"/>
-            </a:ln>
-          </p:spPr>
-          <p:style>
-            <a:lnRef idx="1">
-              <a:schemeClr val="accent1"/>
-            </a:lnRef>
-            <a:fillRef idx="0">
-              <a:schemeClr val="accent1"/>
-            </a:fillRef>
-            <a:effectRef idx="0">
-              <a:schemeClr val="accent1"/>
-            </a:effectRef>
-            <a:fontRef idx="minor">
-              <a:schemeClr val="tx1"/>
-            </a:fontRef>
-          </p:style>
-        </p:cxnSp>
-        <p:cxnSp>
-          <p:nvCxnSpPr>
-            <p:cNvPr id="48" name="Straight Arrow Connector 47">
-              <a:extLst>
-                <a:ext uri="{FF2B5EF4-FFF2-40B4-BE49-F238E27FC236}">
-                  <a16:creationId xmlns:a16="http://schemas.microsoft.com/office/drawing/2014/main" id="{04D12752-FC17-4A4D-97B7-43DFBABEF6C2}"/>
-                </a:ext>
-              </a:extLst>
-            </p:cNvPr>
-            <p:cNvCxnSpPr>
-              <a:cxnSpLocks/>
-            </p:cNvCxnSpPr>
-            <p:nvPr/>
-          </p:nvCxnSpPr>
-          <p:spPr>
-            <a:xfrm>
-              <a:off x="10875408" y="753063"/>
-              <a:ext cx="0" cy="2056747"/>
-            </a:xfrm>
-            <a:prstGeom prst="straightConnector1">
-              <a:avLst/>
-            </a:prstGeom>
-            <a:ln w="76200">
-              <a:solidFill>
-                <a:schemeClr val="tx1"/>
-              </a:solidFill>
-              <a:tailEnd type="triangle"/>
-            </a:ln>
-          </p:spPr>
-          <p:style>
-            <a:lnRef idx="1">
-              <a:schemeClr val="accent1"/>
-            </a:lnRef>
-            <a:fillRef idx="0">
-              <a:schemeClr val="accent1"/>
-            </a:fillRef>
-            <a:effectRef idx="0">
-              <a:schemeClr val="accent1"/>
-            </a:effectRef>
-            <a:fontRef idx="minor">
-              <a:schemeClr val="tx1"/>
-            </a:fontRef>
-          </p:style>
-        </p:cxnSp>
-        <p:sp>
-          <p:nvSpPr>
-            <p:cNvPr id="49" name="Rectangle 48">
-              <a:extLst>
-                <a:ext uri="{FF2B5EF4-FFF2-40B4-BE49-F238E27FC236}">
-                  <a16:creationId xmlns:a16="http://schemas.microsoft.com/office/drawing/2014/main" id="{345100C2-78C2-407C-AFCD-489F9109F70C}"/>
-                </a:ext>
-              </a:extLst>
-            </p:cNvPr>
-            <p:cNvSpPr/>
-            <p:nvPr/>
-          </p:nvSpPr>
-          <p:spPr>
-            <a:xfrm>
-              <a:off x="6330319" y="3516804"/>
-              <a:ext cx="128248" cy="145222"/>
-            </a:xfrm>
-            <a:prstGeom prst="rect">
-              <a:avLst/>
-            </a:prstGeom>
-            <a:solidFill>
-              <a:schemeClr val="bg1"/>
-            </a:solidFill>
-            <a:ln>
-              <a:noFill/>
-            </a:ln>
-          </p:spPr>
-          <p:style>
-            <a:lnRef idx="2">
-              <a:schemeClr val="accent1">
-                <a:shade val="50000"/>
-              </a:schemeClr>
-            </a:lnRef>
-            <a:fillRef idx="1">
-              <a:schemeClr val="accent1"/>
-            </a:fillRef>
-            <a:effectRef idx="0">
-              <a:schemeClr val="accent1"/>
-            </a:effectRef>
-            <a:fontRef idx="minor">
-              <a:schemeClr val="lt1"/>
-            </a:fontRef>
-          </p:style>
-          <p:txBody>
-            <a:bodyPr rtlCol="0" anchor="ctr"/>
-            <a:lstStyle/>
-            <a:p>
-              <a:pPr algn="ctr"/>
-              <a:endParaRPr lang="en-US"/>
-            </a:p>
-          </p:txBody>
-        </p:sp>
-        <p:cxnSp>
-          <p:nvCxnSpPr>
-            <p:cNvPr id="50" name="Straight Arrow Connector 49">
-              <a:extLst>
-                <a:ext uri="{FF2B5EF4-FFF2-40B4-BE49-F238E27FC236}">
-                  <a16:creationId xmlns:a16="http://schemas.microsoft.com/office/drawing/2014/main" id="{A31E8B51-D88C-4966-B21E-7721C12BE711}"/>
-                </a:ext>
-              </a:extLst>
-            </p:cNvPr>
-            <p:cNvCxnSpPr>
-              <a:cxnSpLocks/>
-            </p:cNvCxnSpPr>
-            <p:nvPr/>
-          </p:nvCxnSpPr>
-          <p:spPr>
-            <a:xfrm>
-              <a:off x="6387707" y="3231305"/>
-              <a:ext cx="0" cy="721054"/>
-            </a:xfrm>
-            <a:prstGeom prst="straightConnector1">
-              <a:avLst/>
-            </a:prstGeom>
-            <a:ln w="57150">
-              <a:solidFill>
-                <a:schemeClr val="tx1"/>
-              </a:solidFill>
-              <a:tailEnd type="triangle"/>
-            </a:ln>
-          </p:spPr>
-          <p:style>
-            <a:lnRef idx="1">
-              <a:schemeClr val="accent1"/>
-            </a:lnRef>
-            <a:fillRef idx="0">
-              <a:schemeClr val="accent1"/>
-            </a:fillRef>
-            <a:effectRef idx="0">
-              <a:schemeClr val="accent1"/>
-            </a:effectRef>
-            <a:fontRef idx="minor">
-              <a:schemeClr val="tx1"/>
-            </a:fontRef>
-          </p:style>
-        </p:cxnSp>
-        <p:sp>
-          <p:nvSpPr>
-            <p:cNvPr id="51" name="Rectangle 50">
-              <a:extLst>
-                <a:ext uri="{FF2B5EF4-FFF2-40B4-BE49-F238E27FC236}">
-                  <a16:creationId xmlns:a16="http://schemas.microsoft.com/office/drawing/2014/main" id="{FF764851-9B64-420C-A452-2A6297090842}"/>
-                </a:ext>
-              </a:extLst>
-            </p:cNvPr>
-            <p:cNvSpPr/>
-            <p:nvPr/>
-          </p:nvSpPr>
-          <p:spPr>
-            <a:xfrm>
-              <a:off x="6949797" y="3498578"/>
-              <a:ext cx="128248" cy="145222"/>
-            </a:xfrm>
-            <a:prstGeom prst="rect">
-              <a:avLst/>
-            </a:prstGeom>
-            <a:solidFill>
-              <a:schemeClr val="bg1"/>
-            </a:solidFill>
-            <a:ln>
-              <a:noFill/>
-            </a:ln>
-          </p:spPr>
-          <p:style>
-            <a:lnRef idx="2">
-              <a:schemeClr val="accent1">
-                <a:shade val="50000"/>
-              </a:schemeClr>
-            </a:lnRef>
-            <a:fillRef idx="1">
-              <a:schemeClr val="accent1"/>
-            </a:fillRef>
-            <a:effectRef idx="0">
-              <a:schemeClr val="accent1"/>
-            </a:effectRef>
-            <a:fontRef idx="minor">
-              <a:schemeClr val="lt1"/>
-            </a:fontRef>
-          </p:style>
-          <p:txBody>
-            <a:bodyPr rtlCol="0" anchor="ctr"/>
-            <a:lstStyle/>
-            <a:p>
-              <a:pPr algn="ctr"/>
-              <a:endParaRPr lang="en-US"/>
-            </a:p>
-          </p:txBody>
-        </p:sp>
-        <p:sp>
-          <p:nvSpPr>
-            <p:cNvPr id="52" name="Rectangle 51">
-              <a:extLst>
-                <a:ext uri="{FF2B5EF4-FFF2-40B4-BE49-F238E27FC236}">
-                  <a16:creationId xmlns:a16="http://schemas.microsoft.com/office/drawing/2014/main" id="{60ABEB31-C829-481A-A6AD-786A187DEF05}"/>
-                </a:ext>
-              </a:extLst>
-            </p:cNvPr>
-            <p:cNvSpPr/>
-            <p:nvPr/>
-          </p:nvSpPr>
-          <p:spPr>
-            <a:xfrm>
-              <a:off x="6951277" y="3002904"/>
-              <a:ext cx="128248" cy="145222"/>
-            </a:xfrm>
-            <a:prstGeom prst="rect">
-              <a:avLst/>
-            </a:prstGeom>
-            <a:solidFill>
-              <a:schemeClr val="bg1"/>
-            </a:solidFill>
-            <a:ln>
-              <a:noFill/>
-            </a:ln>
-          </p:spPr>
-          <p:style>
-            <a:lnRef idx="2">
-              <a:schemeClr val="accent1">
-                <a:shade val="50000"/>
-              </a:schemeClr>
-            </a:lnRef>
-            <a:fillRef idx="1">
-              <a:schemeClr val="accent1"/>
-            </a:fillRef>
-            <a:effectRef idx="0">
-              <a:schemeClr val="accent1"/>
-            </a:effectRef>
-            <a:fontRef idx="minor">
-              <a:schemeClr val="lt1"/>
-            </a:fontRef>
-          </p:style>
-          <p:txBody>
-            <a:bodyPr rtlCol="0" anchor="ctr"/>
-            <a:lstStyle/>
-            <a:p>
-              <a:pPr algn="ctr"/>
-              <a:endParaRPr lang="en-US"/>
-            </a:p>
-          </p:txBody>
-        </p:sp>
-        <p:cxnSp>
-          <p:nvCxnSpPr>
-            <p:cNvPr id="53" name="Straight Arrow Connector 52">
-              <a:extLst>
-                <a:ext uri="{FF2B5EF4-FFF2-40B4-BE49-F238E27FC236}">
-                  <a16:creationId xmlns:a16="http://schemas.microsoft.com/office/drawing/2014/main" id="{6B7BCBF6-78F9-4A84-B8DA-64FDCC71110F}"/>
-                </a:ext>
-              </a:extLst>
-            </p:cNvPr>
-            <p:cNvCxnSpPr>
-              <a:cxnSpLocks/>
-            </p:cNvCxnSpPr>
-            <p:nvPr/>
-          </p:nvCxnSpPr>
-          <p:spPr>
-            <a:xfrm flipH="1">
-              <a:off x="7014462" y="2092389"/>
-              <a:ext cx="2" cy="1832263"/>
-            </a:xfrm>
-            <a:prstGeom prst="straightConnector1">
-              <a:avLst/>
-            </a:prstGeom>
-            <a:ln w="57150">
-              <a:solidFill>
-                <a:schemeClr val="tx1"/>
-              </a:solidFill>
-              <a:tailEnd type="triangle"/>
-            </a:ln>
-          </p:spPr>
-          <p:style>
-            <a:lnRef idx="1">
-              <a:schemeClr val="accent1"/>
-            </a:lnRef>
-            <a:fillRef idx="0">
-              <a:schemeClr val="accent1"/>
-            </a:fillRef>
-            <a:effectRef idx="0">
-              <a:schemeClr val="accent1"/>
-            </a:effectRef>
-            <a:fontRef idx="minor">
-              <a:schemeClr val="tx1"/>
-            </a:fontRef>
-          </p:style>
-        </p:cxnSp>
-        <p:cxnSp>
-          <p:nvCxnSpPr>
-            <p:cNvPr id="54" name="Straight Arrow Connector 53">
-              <a:extLst>
-                <a:ext uri="{FF2B5EF4-FFF2-40B4-BE49-F238E27FC236}">
-                  <a16:creationId xmlns:a16="http://schemas.microsoft.com/office/drawing/2014/main" id="{49E6D516-2A8F-4C2F-A960-F2B393D4D7E6}"/>
-                </a:ext>
-              </a:extLst>
-            </p:cNvPr>
-            <p:cNvCxnSpPr/>
-            <p:nvPr/>
-          </p:nvCxnSpPr>
-          <p:spPr>
-            <a:xfrm>
-              <a:off x="5954072" y="3599850"/>
-              <a:ext cx="1" cy="351270"/>
-            </a:xfrm>
-            <a:prstGeom prst="straightConnector1">
-              <a:avLst/>
-            </a:prstGeom>
-            <a:ln w="19050">
-              <a:solidFill>
-                <a:schemeClr val="tx1"/>
-              </a:solidFill>
-              <a:tailEnd type="triangle"/>
-            </a:ln>
-          </p:spPr>
-          <p:style>
-            <a:lnRef idx="1">
-              <a:schemeClr val="accent1"/>
-            </a:lnRef>
-            <a:fillRef idx="0">
-              <a:schemeClr val="accent1"/>
-            </a:fillRef>
-            <a:effectRef idx="0">
-              <a:schemeClr val="accent1"/>
-            </a:effectRef>
-            <a:fontRef idx="minor">
-              <a:schemeClr val="tx1"/>
-            </a:fontRef>
-          </p:style>
-        </p:cxnSp>
-        <p:sp>
-          <p:nvSpPr>
-            <p:cNvPr id="55" name="Rectangle 54">
-              <a:extLst>
-                <a:ext uri="{FF2B5EF4-FFF2-40B4-BE49-F238E27FC236}">
-                  <a16:creationId xmlns:a16="http://schemas.microsoft.com/office/drawing/2014/main" id="{E0322C0F-769F-4940-A77D-F137618DDBD5}"/>
-                </a:ext>
-              </a:extLst>
-            </p:cNvPr>
-            <p:cNvSpPr/>
-            <p:nvPr/>
-          </p:nvSpPr>
-          <p:spPr>
-            <a:xfrm>
-              <a:off x="4850214" y="3536432"/>
-              <a:ext cx="128248" cy="145222"/>
-            </a:xfrm>
-            <a:prstGeom prst="rect">
-              <a:avLst/>
-            </a:prstGeom>
-            <a:solidFill>
-              <a:schemeClr val="bg1"/>
-            </a:solidFill>
-            <a:ln>
-              <a:noFill/>
-            </a:ln>
-          </p:spPr>
-          <p:style>
-            <a:lnRef idx="2">
-              <a:schemeClr val="accent1">
-                <a:shade val="50000"/>
-              </a:schemeClr>
-            </a:lnRef>
-            <a:fillRef idx="1">
-              <a:schemeClr val="accent1"/>
-            </a:fillRef>
-            <a:effectRef idx="0">
-              <a:schemeClr val="accent1"/>
-            </a:effectRef>
-            <a:fontRef idx="minor">
-              <a:schemeClr val="lt1"/>
-            </a:fontRef>
-          </p:style>
-          <p:txBody>
-            <a:bodyPr rtlCol="0" anchor="ctr"/>
-            <a:lstStyle/>
-            <a:p>
-              <a:pPr algn="ctr"/>
-              <a:endParaRPr lang="en-US"/>
-            </a:p>
-          </p:txBody>
-        </p:sp>
-        <p:cxnSp>
-          <p:nvCxnSpPr>
-            <p:cNvPr id="56" name="Straight Arrow Connector 55">
-              <a:extLst>
-                <a:ext uri="{FF2B5EF4-FFF2-40B4-BE49-F238E27FC236}">
-                  <a16:creationId xmlns:a16="http://schemas.microsoft.com/office/drawing/2014/main" id="{9CCBFE59-D0BE-4613-A1B6-1BC2F01D00EB}"/>
-                </a:ext>
-              </a:extLst>
-            </p:cNvPr>
-            <p:cNvCxnSpPr>
-              <a:cxnSpLocks/>
-            </p:cNvCxnSpPr>
-            <p:nvPr/>
-          </p:nvCxnSpPr>
-          <p:spPr>
-            <a:xfrm>
-              <a:off x="4920886" y="3412188"/>
-              <a:ext cx="0" cy="538932"/>
-            </a:xfrm>
-            <a:prstGeom prst="straightConnector1">
-              <a:avLst/>
-            </a:prstGeom>
-            <a:ln w="19050">
-              <a:solidFill>
-                <a:schemeClr val="tx1"/>
-              </a:solidFill>
-              <a:tailEnd type="triangle"/>
-            </a:ln>
-          </p:spPr>
-          <p:style>
-            <a:lnRef idx="1">
-              <a:schemeClr val="accent1"/>
-            </a:lnRef>
-            <a:fillRef idx="0">
-              <a:schemeClr val="accent1"/>
-            </a:fillRef>
-            <a:effectRef idx="0">
-              <a:schemeClr val="accent1"/>
-            </a:effectRef>
-            <a:fontRef idx="minor">
-              <a:schemeClr val="tx1"/>
-            </a:fontRef>
-          </p:style>
-        </p:cxnSp>
-        <p:cxnSp>
-          <p:nvCxnSpPr>
-            <p:cNvPr id="57" name="Straight Connector 56">
-              <a:extLst>
-                <a:ext uri="{FF2B5EF4-FFF2-40B4-BE49-F238E27FC236}">
-                  <a16:creationId xmlns:a16="http://schemas.microsoft.com/office/drawing/2014/main" id="{69C3117F-8385-4E9C-8D09-200CA6F0B101}"/>
-                </a:ext>
-              </a:extLst>
-            </p:cNvPr>
-            <p:cNvCxnSpPr>
-              <a:cxnSpLocks/>
-            </p:cNvCxnSpPr>
-            <p:nvPr/>
-          </p:nvCxnSpPr>
-          <p:spPr>
-            <a:xfrm>
-              <a:off x="4920359" y="3417570"/>
-              <a:ext cx="1470181" cy="0"/>
-            </a:xfrm>
-            <a:prstGeom prst="line">
-              <a:avLst/>
-            </a:prstGeom>
-            <a:ln w="19050">
-              <a:solidFill>
-                <a:schemeClr val="tx1"/>
-              </a:solidFill>
-            </a:ln>
-          </p:spPr>
-          <p:style>
-            <a:lnRef idx="1">
-              <a:schemeClr val="accent1"/>
-            </a:lnRef>
-            <a:fillRef idx="0">
-              <a:schemeClr val="accent1"/>
-            </a:fillRef>
-            <a:effectRef idx="0">
-              <a:schemeClr val="accent1"/>
-            </a:effectRef>
-            <a:fontRef idx="minor">
-              <a:schemeClr val="tx1"/>
-            </a:fontRef>
-          </p:style>
-        </p:cxnSp>
-      </p:grpSp>
-    </p:spTree>
-    <p:extLst>
-      <p:ext uri="{BB962C8B-B14F-4D97-AF65-F5344CB8AC3E}">
-        <p14:creationId xmlns:p14="http://schemas.microsoft.com/office/powerpoint/2010/main" val="1824722122"/>
-      </p:ext>
-    </p:extLst>
-  </p:cSld>
-  <p:clrMapOvr>
-    <a:masterClrMapping/>
-  </p:clrMapOvr>
-</p:sld>
-</file>
-
-<file path=ppt/slides/slide16.xml><?xml version="1.0" encoding="utf-8"?>
-<p:sld xmlns:a="http://schemas.openxmlformats.org/drawingml/2006/main" xmlns:r="http://schemas.openxmlformats.org/officeDocument/2006/relationships" xmlns:p="http://schemas.openxmlformats.org/presentationml/2006/main">
-  <p:cSld>
-    <p:spTree>
-      <p:nvGrpSpPr>
-        <p:cNvPr id="1" name=""/>
-        <p:cNvGrpSpPr/>
-        <p:nvPr/>
-      </p:nvGrpSpPr>
-      <p:grpSpPr>
-        <a:xfrm>
-          <a:off x="0" y="0"/>
-          <a:ext cx="0" cy="0"/>
-          <a:chOff x="0" y="0"/>
-          <a:chExt cx="0" cy="0"/>
-        </a:xfrm>
-      </p:grpSpPr>
-      <p:pic>
-        <p:nvPicPr>
-          <p:cNvPr id="12" name="Picture 11">
-            <a:extLst>
-              <a:ext uri="{FF2B5EF4-FFF2-40B4-BE49-F238E27FC236}">
-                <a16:creationId xmlns:a16="http://schemas.microsoft.com/office/drawing/2014/main" id="{160A6B27-6AC9-4445-A3AF-01DBCD2A12B4}"/>
-              </a:ext>
-            </a:extLst>
-          </p:cNvPr>
-          <p:cNvPicPr>
-            <a:picLocks noChangeAspect="1"/>
-          </p:cNvPicPr>
-          <p:nvPr/>
-        </p:nvPicPr>
-        <p:blipFill>
-          <a:blip r:embed="rId2"/>
-          <a:stretch>
-            <a:fillRect/>
-          </a:stretch>
-        </p:blipFill>
-        <p:spPr>
-          <a:xfrm>
-            <a:off x="674767" y="1435401"/>
-            <a:ext cx="5026915" cy="5057474"/>
-          </a:xfrm>
-          <a:prstGeom prst="rect">
-            <a:avLst/>
-          </a:prstGeom>
-        </p:spPr>
-      </p:pic>
-      <p:sp>
-        <p:nvSpPr>
-          <p:cNvPr id="13" name="TextBox 12">
-            <a:extLst>
-              <a:ext uri="{FF2B5EF4-FFF2-40B4-BE49-F238E27FC236}">
-                <a16:creationId xmlns:a16="http://schemas.microsoft.com/office/drawing/2014/main" id="{CFFAD2E0-31E1-47B1-A3B4-C8494BEE51F9}"/>
-              </a:ext>
-            </a:extLst>
-          </p:cNvPr>
-          <p:cNvSpPr txBox="1"/>
-          <p:nvPr/>
-        </p:nvSpPr>
-        <p:spPr>
-          <a:xfrm>
-            <a:off x="1311619" y="532435"/>
-            <a:ext cx="3399200" cy="523220"/>
-          </a:xfrm>
-          <a:prstGeom prst="rect">
-            <a:avLst/>
-          </a:prstGeom>
-          <a:noFill/>
-        </p:spPr>
-        <p:txBody>
-          <a:bodyPr wrap="none" rtlCol="0">
-            <a:spAutoFit/>
-          </a:bodyPr>
-          <a:lstStyle/>
-          <a:p>
-            <a:r>
-              <a:rPr lang="en-US" sz="2800" dirty="0"/>
-              <a:t>Throw everything at it</a:t>
-            </a:r>
-          </a:p>
-        </p:txBody>
-      </p:sp>
-      <p:pic>
-        <p:nvPicPr>
-          <p:cNvPr id="15" name="Picture 14">
-            <a:extLst>
-              <a:ext uri="{FF2B5EF4-FFF2-40B4-BE49-F238E27FC236}">
-                <a16:creationId xmlns:a16="http://schemas.microsoft.com/office/drawing/2014/main" id="{2299F64E-3181-4741-9F5F-3B0D15DAB8A9}"/>
-              </a:ext>
-            </a:extLst>
-          </p:cNvPr>
-          <p:cNvPicPr>
-            <a:picLocks noChangeAspect="1"/>
-          </p:cNvPicPr>
-          <p:nvPr/>
-        </p:nvPicPr>
-        <p:blipFill>
-          <a:blip r:embed="rId3"/>
-          <a:stretch>
-            <a:fillRect/>
-          </a:stretch>
-        </p:blipFill>
-        <p:spPr>
-          <a:xfrm>
-            <a:off x="5991827" y="1435401"/>
-            <a:ext cx="5947023" cy="4961823"/>
-          </a:xfrm>
-          <a:prstGeom prst="rect">
-            <a:avLst/>
-          </a:prstGeom>
-        </p:spPr>
-      </p:pic>
-      <p:sp>
-        <p:nvSpPr>
-          <p:cNvPr id="16" name="TextBox 15">
-            <a:extLst>
-              <a:ext uri="{FF2B5EF4-FFF2-40B4-BE49-F238E27FC236}">
-                <a16:creationId xmlns:a16="http://schemas.microsoft.com/office/drawing/2014/main" id="{ED8DF2AA-5489-49F7-B22A-E1B89E652BEA}"/>
-              </a:ext>
-            </a:extLst>
-          </p:cNvPr>
-          <p:cNvSpPr txBox="1"/>
-          <p:nvPr/>
-        </p:nvSpPr>
-        <p:spPr>
-          <a:xfrm>
-            <a:off x="7367286" y="316991"/>
-            <a:ext cx="3513095" cy="954107"/>
-          </a:xfrm>
-          <a:prstGeom prst="rect">
-            <a:avLst/>
-          </a:prstGeom>
-          <a:noFill/>
-        </p:spPr>
-        <p:txBody>
-          <a:bodyPr wrap="square" rtlCol="0">
-            <a:spAutoFit/>
-          </a:bodyPr>
-          <a:lstStyle/>
-          <a:p>
-            <a:pPr algn="ctr"/>
-            <a:r>
-              <a:rPr lang="en-US" sz="2800" dirty="0"/>
-              <a:t>Remove correlated ones/things I don’t like</a:t>
-            </a:r>
-          </a:p>
-        </p:txBody>
-      </p:sp>
-      <p:sp>
-        <p:nvSpPr>
-          <p:cNvPr id="17" name="Rectangle 16">
-            <a:extLst>
-              <a:ext uri="{FF2B5EF4-FFF2-40B4-BE49-F238E27FC236}">
-                <a16:creationId xmlns:a16="http://schemas.microsoft.com/office/drawing/2014/main" id="{B231F160-ED69-41D9-8435-23BAD9BCDD65}"/>
-              </a:ext>
-            </a:extLst>
-          </p:cNvPr>
-          <p:cNvSpPr/>
-          <p:nvPr/>
-        </p:nvSpPr>
-        <p:spPr>
-          <a:xfrm>
-            <a:off x="405114" y="3616563"/>
-            <a:ext cx="5451676" cy="1262693"/>
-          </a:xfrm>
-          <a:prstGeom prst="rect">
-            <a:avLst/>
-          </a:prstGeom>
-        </p:spPr>
-        <p:style>
-          <a:lnRef idx="2">
-            <a:schemeClr val="accent1">
-              <a:shade val="50000"/>
-            </a:schemeClr>
-          </a:lnRef>
-          <a:fillRef idx="1">
-            <a:schemeClr val="accent1"/>
-          </a:fillRef>
-          <a:effectRef idx="0">
-            <a:schemeClr val="accent1"/>
-          </a:effectRef>
-          <a:fontRef idx="minor">
-            <a:schemeClr val="lt1"/>
-          </a:fontRef>
-        </p:style>
-        <p:txBody>
-          <a:bodyPr rtlCol="0" anchor="ctr"/>
-          <a:lstStyle/>
-          <a:p>
-            <a:pPr algn="ctr"/>
-            <a:endParaRPr lang="en-US"/>
-          </a:p>
-        </p:txBody>
-      </p:sp>
-      <p:sp>
-        <p:nvSpPr>
-          <p:cNvPr id="18" name="Rectangle 17">
-            <a:extLst>
-              <a:ext uri="{FF2B5EF4-FFF2-40B4-BE49-F238E27FC236}">
-                <a16:creationId xmlns:a16="http://schemas.microsoft.com/office/drawing/2014/main" id="{7CD9DA57-EA58-4B9A-85A0-40E4EC319473}"/>
-              </a:ext>
-            </a:extLst>
-          </p:cNvPr>
-          <p:cNvSpPr/>
-          <p:nvPr/>
-        </p:nvSpPr>
-        <p:spPr>
-          <a:xfrm>
-            <a:off x="5818934" y="3137616"/>
-            <a:ext cx="6241885" cy="1503832"/>
-          </a:xfrm>
-          <a:prstGeom prst="rect">
-            <a:avLst/>
-          </a:prstGeom>
-        </p:spPr>
-        <p:style>
-          <a:lnRef idx="2">
-            <a:schemeClr val="accent1">
-              <a:shade val="50000"/>
-            </a:schemeClr>
-          </a:lnRef>
-          <a:fillRef idx="1">
-            <a:schemeClr val="accent1"/>
-          </a:fillRef>
-          <a:effectRef idx="0">
-            <a:schemeClr val="accent1"/>
-          </a:effectRef>
-          <a:fontRef idx="minor">
-            <a:schemeClr val="lt1"/>
-          </a:fontRef>
-        </p:style>
-        <p:txBody>
-          <a:bodyPr rtlCol="0" anchor="ctr"/>
-          <a:lstStyle/>
-          <a:p>
-            <a:pPr algn="ctr"/>
-            <a:endParaRPr lang="en-US"/>
-          </a:p>
-        </p:txBody>
-      </p:sp>
-    </p:spTree>
-    <p:extLst>
-      <p:ext uri="{BB962C8B-B14F-4D97-AF65-F5344CB8AC3E}">
-        <p14:creationId xmlns:p14="http://schemas.microsoft.com/office/powerpoint/2010/main" val="1493618219"/>
-      </p:ext>
-    </p:extLst>
-  </p:cSld>
-  <p:clrMapOvr>
-    <a:masterClrMapping/>
-  </p:clrMapOvr>
-</p:sld>
-</file>
-
-<file path=ppt/slides/slide17.xml><?xml version="1.0" encoding="utf-8"?>
-<p:sld xmlns:a="http://schemas.openxmlformats.org/drawingml/2006/main" xmlns:r="http://schemas.openxmlformats.org/officeDocument/2006/relationships" xmlns:p="http://schemas.openxmlformats.org/presentationml/2006/main">
-  <p:cSld>
-    <p:spTree>
-      <p:nvGrpSpPr>
-        <p:cNvPr id="1" name=""/>
-        <p:cNvGrpSpPr/>
-        <p:nvPr/>
-      </p:nvGrpSpPr>
-      <p:grpSpPr>
-        <a:xfrm>
-          <a:off x="0" y="0"/>
-          <a:ext cx="0" cy="0"/>
-          <a:chOff x="0" y="0"/>
-          <a:chExt cx="0" cy="0"/>
-        </a:xfrm>
-      </p:grpSpPr>
-      <p:pic>
-        <p:nvPicPr>
-          <p:cNvPr id="3" name="Picture 2" descr="Chart, scatter chart&#10;&#10;Description automatically generated">
-            <a:extLst>
-              <a:ext uri="{FF2B5EF4-FFF2-40B4-BE49-F238E27FC236}">
-                <a16:creationId xmlns:a16="http://schemas.microsoft.com/office/drawing/2014/main" id="{81FB2C11-22D1-4289-B985-AB082475F967}"/>
-              </a:ext>
-            </a:extLst>
-          </p:cNvPr>
-          <p:cNvPicPr>
-            <a:picLocks noChangeAspect="1"/>
-          </p:cNvPicPr>
-          <p:nvPr/>
-        </p:nvPicPr>
-        <p:blipFill>
-          <a:blip r:embed="rId2">
-            <a:extLst>
-              <a:ext uri="{28A0092B-C50C-407E-A947-70E740481C1C}">
-                <a14:useLocalDpi xmlns:a14="http://schemas.microsoft.com/office/drawing/2010/main" val="0"/>
-              </a:ext>
-            </a:extLst>
-          </a:blip>
-          <a:stretch>
-            <a:fillRect/>
-          </a:stretch>
-        </p:blipFill>
-        <p:spPr>
-          <a:xfrm>
-            <a:off x="1117081" y="323630"/>
-            <a:ext cx="9957837" cy="6210739"/>
-          </a:xfrm>
-          <a:prstGeom prst="rect">
-            <a:avLst/>
-          </a:prstGeom>
-        </p:spPr>
-      </p:pic>
-      <p:sp>
-        <p:nvSpPr>
-          <p:cNvPr id="4" name="TextBox 3">
-            <a:extLst>
-              <a:ext uri="{FF2B5EF4-FFF2-40B4-BE49-F238E27FC236}">
-                <a16:creationId xmlns:a16="http://schemas.microsoft.com/office/drawing/2014/main" id="{E4547012-53A7-4387-9B6A-7202237E9237}"/>
-              </a:ext>
-            </a:extLst>
-          </p:cNvPr>
-          <p:cNvSpPr txBox="1"/>
-          <p:nvPr/>
-        </p:nvSpPr>
-        <p:spPr>
-          <a:xfrm>
-            <a:off x="8810230" y="5375364"/>
-            <a:ext cx="1245854" cy="646331"/>
-          </a:xfrm>
-          <a:prstGeom prst="rect">
-            <a:avLst/>
-          </a:prstGeom>
-          <a:noFill/>
-        </p:spPr>
-        <p:txBody>
-          <a:bodyPr wrap="none" rtlCol="0">
-            <a:spAutoFit/>
-          </a:bodyPr>
-          <a:lstStyle/>
-          <a:p>
-            <a:r>
-              <a:rPr lang="en-US" b="1" dirty="0"/>
-              <a:t>Gap = ??</a:t>
-            </a:r>
-          </a:p>
-          <a:p>
-            <a:r>
-              <a:rPr lang="en-US" b="1" dirty="0"/>
-              <a:t>%N = 100%</a:t>
-            </a:r>
-          </a:p>
-        </p:txBody>
-      </p:sp>
-      <p:sp>
-        <p:nvSpPr>
-          <p:cNvPr id="5" name="TextBox 4">
-            <a:extLst>
-              <a:ext uri="{FF2B5EF4-FFF2-40B4-BE49-F238E27FC236}">
-                <a16:creationId xmlns:a16="http://schemas.microsoft.com/office/drawing/2014/main" id="{CE90FD92-6F3E-4141-BF9D-75CBD6D41809}"/>
-              </a:ext>
-            </a:extLst>
-          </p:cNvPr>
-          <p:cNvSpPr txBox="1"/>
-          <p:nvPr/>
-        </p:nvSpPr>
-        <p:spPr>
-          <a:xfrm>
-            <a:off x="6913254" y="1476625"/>
-            <a:ext cx="1011815" cy="646331"/>
-          </a:xfrm>
-          <a:prstGeom prst="rect">
-            <a:avLst/>
-          </a:prstGeom>
-          <a:noFill/>
-        </p:spPr>
-        <p:txBody>
-          <a:bodyPr wrap="none" rtlCol="0">
-            <a:spAutoFit/>
-          </a:bodyPr>
-          <a:lstStyle/>
-          <a:p>
-            <a:r>
-              <a:rPr lang="en-US" b="1" dirty="0"/>
-              <a:t>Gap = ??</a:t>
-            </a:r>
-          </a:p>
-          <a:p>
-            <a:r>
-              <a:rPr lang="en-US" b="1" dirty="0"/>
-              <a:t>%N = 0%</a:t>
-            </a:r>
-          </a:p>
-        </p:txBody>
-      </p:sp>
-      <p:sp>
-        <p:nvSpPr>
-          <p:cNvPr id="6" name="TextBox 5">
-            <a:extLst>
-              <a:ext uri="{FF2B5EF4-FFF2-40B4-BE49-F238E27FC236}">
-                <a16:creationId xmlns:a16="http://schemas.microsoft.com/office/drawing/2014/main" id="{EAD30F3D-FC5F-4230-83D4-BC01EDBDFF55}"/>
-              </a:ext>
-            </a:extLst>
-          </p:cNvPr>
-          <p:cNvSpPr txBox="1"/>
-          <p:nvPr/>
-        </p:nvSpPr>
-        <p:spPr>
-          <a:xfrm>
-            <a:off x="4669694" y="3428999"/>
-            <a:ext cx="1245854" cy="646331"/>
-          </a:xfrm>
-          <a:prstGeom prst="rect">
-            <a:avLst/>
-          </a:prstGeom>
-          <a:noFill/>
-        </p:spPr>
-        <p:txBody>
-          <a:bodyPr wrap="none" rtlCol="0">
-            <a:spAutoFit/>
-          </a:bodyPr>
-          <a:lstStyle/>
-          <a:p>
-            <a:r>
-              <a:rPr lang="en-US" b="1" dirty="0"/>
-              <a:t>Gap = ??</a:t>
-            </a:r>
-          </a:p>
-          <a:p>
-            <a:r>
-              <a:rPr lang="en-US" b="1" dirty="0"/>
-              <a:t>%N = 100%</a:t>
-            </a:r>
-          </a:p>
-        </p:txBody>
-      </p:sp>
-    </p:spTree>
-    <p:extLst>
-      <p:ext uri="{BB962C8B-B14F-4D97-AF65-F5344CB8AC3E}">
-        <p14:creationId xmlns:p14="http://schemas.microsoft.com/office/powerpoint/2010/main" val="3666461735"/>
-      </p:ext>
-    </p:extLst>
-  </p:cSld>
-  <p:clrMapOvr>
-    <a:masterClrMapping/>
-  </p:clrMapOvr>
-</p:sld>
-</file>
-
-<file path=ppt/slides/slide2.xml><?xml version="1.0" encoding="utf-8"?>
-<p:sld xmlns:a="http://schemas.openxmlformats.org/drawingml/2006/main" xmlns:r="http://schemas.openxmlformats.org/officeDocument/2006/relationships" xmlns:p="http://schemas.openxmlformats.org/presentationml/2006/main">
-  <p:cSld>
-    <p:spTree>
-      <p:nvGrpSpPr>
-        <p:cNvPr id="1" name=""/>
-        <p:cNvGrpSpPr/>
-        <p:nvPr/>
-      </p:nvGrpSpPr>
-      <p:grpSpPr>
-        <a:xfrm>
-          <a:off x="0" y="0"/>
-          <a:ext cx="0" cy="0"/>
-          <a:chOff x="0" y="0"/>
-          <a:chExt cx="0" cy="0"/>
-        </a:xfrm>
-      </p:grpSpPr>
-      <p:pic>
-        <p:nvPicPr>
           <p:cNvPr id="13" name="Picture 12">
             <a:extLst>
               <a:ext uri="{FF2B5EF4-FFF2-40B4-BE49-F238E27FC236}">
@@ -8344,7 +5395,173 @@
     </p:spTree>
     <p:extLst>
       <p:ext uri="{BB962C8B-B14F-4D97-AF65-F5344CB8AC3E}">
-        <p14:creationId xmlns:p14="http://schemas.microsoft.com/office/powerpoint/2010/main" val="4070486895"/>
+        <p14:creationId xmlns:p14="http://schemas.microsoft.com/office/powerpoint/2010/main" val="1919790441"/>
+      </p:ext>
+    </p:extLst>
+  </p:cSld>
+  <p:clrMapOvr>
+    <a:masterClrMapping/>
+  </p:clrMapOvr>
+</p:sld>
+</file>
+
+<file path=ppt/slides/slide15.xml><?xml version="1.0" encoding="utf-8"?>
+<p:sld xmlns:a="http://schemas.openxmlformats.org/drawingml/2006/main" xmlns:r="http://schemas.openxmlformats.org/officeDocument/2006/relationships" xmlns:p="http://schemas.openxmlformats.org/presentationml/2006/main">
+  <p:cSld>
+    <p:spTree>
+      <p:nvGrpSpPr>
+        <p:cNvPr id="1" name=""/>
+        <p:cNvGrpSpPr/>
+        <p:nvPr/>
+      </p:nvGrpSpPr>
+      <p:grpSpPr>
+        <a:xfrm>
+          <a:off x="0" y="0"/>
+          <a:ext cx="0" cy="0"/>
+          <a:chOff x="0" y="0"/>
+          <a:chExt cx="0" cy="0"/>
+        </a:xfrm>
+      </p:grpSpPr>
+      <p:pic>
+        <p:nvPicPr>
+          <p:cNvPr id="3" name="Picture 2">
+            <a:extLst>
+              <a:ext uri="{FF2B5EF4-FFF2-40B4-BE49-F238E27FC236}">
+                <a16:creationId xmlns:a16="http://schemas.microsoft.com/office/drawing/2014/main" id="{F78CCE37-8B2E-4C0B-B612-EF267EE8F87F}"/>
+              </a:ext>
+            </a:extLst>
+          </p:cNvPr>
+          <p:cNvPicPr>
+            <a:picLocks noChangeAspect="1"/>
+          </p:cNvPicPr>
+          <p:nvPr/>
+        </p:nvPicPr>
+        <p:blipFill>
+          <a:blip r:embed="rId2"/>
+          <a:stretch>
+            <a:fillRect/>
+          </a:stretch>
+        </p:blipFill>
+        <p:spPr>
+          <a:xfrm>
+            <a:off x="886047" y="121386"/>
+            <a:ext cx="10419905" cy="6615228"/>
+          </a:xfrm>
+          <a:prstGeom prst="rect">
+            <a:avLst/>
+          </a:prstGeom>
+        </p:spPr>
+      </p:pic>
+    </p:spTree>
+    <p:extLst>
+      <p:ext uri="{BB962C8B-B14F-4D97-AF65-F5344CB8AC3E}">
+        <p14:creationId xmlns:p14="http://schemas.microsoft.com/office/powerpoint/2010/main" val="2236663388"/>
+      </p:ext>
+    </p:extLst>
+  </p:cSld>
+  <p:clrMapOvr>
+    <a:masterClrMapping/>
+  </p:clrMapOvr>
+</p:sld>
+</file>
+
+<file path=ppt/slides/slide2.xml><?xml version="1.0" encoding="utf-8"?>
+<p:sld xmlns:a="http://schemas.openxmlformats.org/drawingml/2006/main" xmlns:r="http://schemas.openxmlformats.org/officeDocument/2006/relationships" xmlns:p="http://schemas.openxmlformats.org/presentationml/2006/main">
+  <p:cSld>
+    <p:spTree>
+      <p:nvGrpSpPr>
+        <p:cNvPr id="1" name=""/>
+        <p:cNvGrpSpPr/>
+        <p:nvPr/>
+      </p:nvGrpSpPr>
+      <p:grpSpPr>
+        <a:xfrm>
+          <a:off x="0" y="0"/>
+          <a:ext cx="0" cy="0"/>
+          <a:chOff x="0" y="0"/>
+          <a:chExt cx="0" cy="0"/>
+        </a:xfrm>
+      </p:grpSpPr>
+      <p:sp>
+        <p:nvSpPr>
+          <p:cNvPr id="6" name="Title 5">
+            <a:extLst>
+              <a:ext uri="{FF2B5EF4-FFF2-40B4-BE49-F238E27FC236}">
+                <a16:creationId xmlns:a16="http://schemas.microsoft.com/office/drawing/2014/main" id="{F529252E-F8F9-4C23-89B2-CC74187B78BE}"/>
+              </a:ext>
+            </a:extLst>
+          </p:cNvPr>
+          <p:cNvSpPr>
+            <a:spLocks noGrp="1"/>
+          </p:cNvSpPr>
+          <p:nvPr>
+            <p:ph type="title"/>
+          </p:nvPr>
+        </p:nvSpPr>
+        <p:spPr/>
+        <p:txBody>
+          <a:bodyPr>
+            <a:normAutofit fontScale="90000"/>
+          </a:bodyPr>
+          <a:lstStyle/>
+          <a:p>
+            <a:r>
+              <a:rPr lang="en-US" dirty="0"/>
+              <a:t>Is gap driven by rot corn yield, or </a:t>
+            </a:r>
+            <a:r>
+              <a:rPr lang="en-US" dirty="0" err="1"/>
+              <a:t>cont</a:t>
+            </a:r>
+            <a:r>
+              <a:rPr lang="en-US" dirty="0"/>
+              <a:t> corn yield? </a:t>
+            </a:r>
+            <a:br>
+              <a:rPr lang="en-US" dirty="0"/>
+            </a:br>
+            <a:r>
+              <a:rPr lang="en-US" sz="3100" dirty="0"/>
+              <a:t>Within site and across site patterns are the same.</a:t>
+            </a:r>
+            <a:endParaRPr lang="en-US" dirty="0"/>
+          </a:p>
+        </p:txBody>
+      </p:sp>
+      <p:pic>
+        <p:nvPicPr>
+          <p:cNvPr id="3" name="Picture 2">
+            <a:extLst>
+              <a:ext uri="{FF2B5EF4-FFF2-40B4-BE49-F238E27FC236}">
+                <a16:creationId xmlns:a16="http://schemas.microsoft.com/office/drawing/2014/main" id="{31D98B02-9515-4573-A9B7-8FF45A7A8805}"/>
+              </a:ext>
+            </a:extLst>
+          </p:cNvPr>
+          <p:cNvPicPr>
+            <a:picLocks noChangeAspect="1"/>
+          </p:cNvPicPr>
+          <p:nvPr/>
+        </p:nvPicPr>
+        <p:blipFill>
+          <a:blip r:embed="rId2"/>
+          <a:stretch>
+            <a:fillRect/>
+          </a:stretch>
+        </p:blipFill>
+        <p:spPr>
+          <a:xfrm>
+            <a:off x="2598836" y="1825737"/>
+            <a:ext cx="7220043" cy="4970119"/>
+          </a:xfrm>
+          <a:prstGeom prst="rect">
+            <a:avLst/>
+          </a:prstGeom>
+        </p:spPr>
+      </p:pic>
+    </p:spTree>
+    <p:extLst>
+      <p:ext uri="{BB962C8B-B14F-4D97-AF65-F5344CB8AC3E}">
+        <p14:creationId xmlns:p14="http://schemas.microsoft.com/office/powerpoint/2010/main" val="1022767644"/>
       </p:ext>
     </p:extLst>
   </p:cSld>
@@ -8371,12 +5588,40 @@
           <a:chExt cx="0" cy="0"/>
         </a:xfrm>
       </p:grpSpPr>
+      <p:sp>
+        <p:nvSpPr>
+          <p:cNvPr id="2" name="Title 1">
+            <a:extLst>
+              <a:ext uri="{FF2B5EF4-FFF2-40B4-BE49-F238E27FC236}">
+                <a16:creationId xmlns:a16="http://schemas.microsoft.com/office/drawing/2014/main" id="{648B8B8E-D057-421D-84A7-E53258408290}"/>
+              </a:ext>
+            </a:extLst>
+          </p:cNvPr>
+          <p:cNvSpPr>
+            <a:spLocks noGrp="1"/>
+          </p:cNvSpPr>
+          <p:nvPr>
+            <p:ph type="title"/>
+          </p:nvPr>
+        </p:nvSpPr>
+        <p:spPr/>
+        <p:txBody>
+          <a:bodyPr/>
+          <a:lstStyle/>
+          <a:p>
+            <a:r>
+              <a:rPr lang="en-US" dirty="0"/>
+              <a:t>AONR is not a good predictor for gap size</a:t>
+            </a:r>
+          </a:p>
+        </p:txBody>
+      </p:sp>
       <p:pic>
         <p:nvPicPr>
-          <p:cNvPr id="3" name="Picture 2">
-            <a:extLst>
-              <a:ext uri="{FF2B5EF4-FFF2-40B4-BE49-F238E27FC236}">
-                <a16:creationId xmlns:a16="http://schemas.microsoft.com/office/drawing/2014/main" id="{F78CCE37-8B2E-4C0B-B612-EF267EE8F87F}"/>
+          <p:cNvPr id="4" name="Picture 3">
+            <a:extLst>
+              <a:ext uri="{FF2B5EF4-FFF2-40B4-BE49-F238E27FC236}">
+                <a16:creationId xmlns:a16="http://schemas.microsoft.com/office/drawing/2014/main" id="{38A50A8E-6125-47CD-B2BE-943DD6FDEF23}"/>
               </a:ext>
             </a:extLst>
           </p:cNvPr>
@@ -8393,8 +5638,8 @@
         </p:blipFill>
         <p:spPr>
           <a:xfrm>
-            <a:off x="886047" y="121386"/>
-            <a:ext cx="10419905" cy="6615228"/>
+            <a:off x="4648153" y="1823334"/>
+            <a:ext cx="7220043" cy="5034666"/>
           </a:xfrm>
           <a:prstGeom prst="rect">
             <a:avLst/>
@@ -8404,7 +5649,7 @@
     </p:spTree>
     <p:extLst>
       <p:ext uri="{BB962C8B-B14F-4D97-AF65-F5344CB8AC3E}">
-        <p14:creationId xmlns:p14="http://schemas.microsoft.com/office/powerpoint/2010/main" val="3340622022"/>
+        <p14:creationId xmlns:p14="http://schemas.microsoft.com/office/powerpoint/2010/main" val="382281988"/>
       </p:ext>
     </p:extLst>
   </p:cSld>
@@ -8433,10 +5678,10 @@
       </p:grpSpPr>
       <p:pic>
         <p:nvPicPr>
-          <p:cNvPr id="5" name="Picture 4">
-            <a:extLst>
-              <a:ext uri="{FF2B5EF4-FFF2-40B4-BE49-F238E27FC236}">
-                <a16:creationId xmlns:a16="http://schemas.microsoft.com/office/drawing/2014/main" id="{3F6B5AD9-C7B6-4137-BBF2-2F542941C9D4}"/>
+          <p:cNvPr id="5" name="Picture 4" descr="Chart&#10;&#10;Description automatically generated">
+            <a:extLst>
+              <a:ext uri="{FF2B5EF4-FFF2-40B4-BE49-F238E27FC236}">
+                <a16:creationId xmlns:a16="http://schemas.microsoft.com/office/drawing/2014/main" id="{3BC7265C-8904-488C-8C74-8256D6A5B18E}"/>
               </a:ext>
             </a:extLst>
           </p:cNvPr>
@@ -8446,25 +5691,59 @@
           <p:nvPr/>
         </p:nvPicPr>
         <p:blipFill>
-          <a:blip r:embed="rId2"/>
+          <a:blip r:embed="rId2">
+            <a:extLst>
+              <a:ext uri="{28A0092B-C50C-407E-A947-70E740481C1C}">
+                <a14:useLocalDpi xmlns:a14="http://schemas.microsoft.com/office/drawing/2010/main" val="0"/>
+              </a:ext>
+            </a:extLst>
+          </a:blip>
           <a:stretch>
             <a:fillRect/>
           </a:stretch>
         </p:blipFill>
         <p:spPr>
           <a:xfrm>
-            <a:off x="1359679" y="422078"/>
-            <a:ext cx="9472641" cy="6013844"/>
+            <a:off x="0" y="1527272"/>
+            <a:ext cx="12192000" cy="4813106"/>
           </a:xfrm>
           <a:prstGeom prst="rect">
             <a:avLst/>
           </a:prstGeom>
         </p:spPr>
       </p:pic>
+      <p:sp>
+        <p:nvSpPr>
+          <p:cNvPr id="6" name="Title 5">
+            <a:extLst>
+              <a:ext uri="{FF2B5EF4-FFF2-40B4-BE49-F238E27FC236}">
+                <a16:creationId xmlns:a16="http://schemas.microsoft.com/office/drawing/2014/main" id="{F529252E-F8F9-4C23-89B2-CC74187B78BE}"/>
+              </a:ext>
+            </a:extLst>
+          </p:cNvPr>
+          <p:cNvSpPr>
+            <a:spLocks noGrp="1"/>
+          </p:cNvSpPr>
+          <p:nvPr>
+            <p:ph type="title"/>
+          </p:nvPr>
+        </p:nvSpPr>
+        <p:spPr/>
+        <p:txBody>
+          <a:bodyPr/>
+          <a:lstStyle/>
+          <a:p>
+            <a:r>
+              <a:rPr lang="en-US" dirty="0"/>
+              <a:t>Ames 2003 example</a:t>
+            </a:r>
+          </a:p>
+        </p:txBody>
+      </p:sp>
     </p:spTree>
     <p:extLst>
       <p:ext uri="{BB962C8B-B14F-4D97-AF65-F5344CB8AC3E}">
-        <p14:creationId xmlns:p14="http://schemas.microsoft.com/office/powerpoint/2010/main" val="2518726537"/>
+        <p14:creationId xmlns:p14="http://schemas.microsoft.com/office/powerpoint/2010/main" val="45561658"/>
       </p:ext>
     </p:extLst>
   </p:cSld>
@@ -8491,79 +5770,12 @@
           <a:chExt cx="0" cy="0"/>
         </a:xfrm>
       </p:grpSpPr>
-      <p:sp>
-        <p:nvSpPr>
-          <p:cNvPr id="2" name="Title 1">
-            <a:extLst>
-              <a:ext uri="{FF2B5EF4-FFF2-40B4-BE49-F238E27FC236}">
-                <a16:creationId xmlns:a16="http://schemas.microsoft.com/office/drawing/2014/main" id="{A1B05E9C-99D7-4D91-9FBE-61010F8B3125}"/>
-              </a:ext>
-            </a:extLst>
-          </p:cNvPr>
-          <p:cNvSpPr>
-            <a:spLocks noGrp="1"/>
-          </p:cNvSpPr>
-          <p:nvPr>
-            <p:ph type="title"/>
-          </p:nvPr>
-        </p:nvSpPr>
-        <p:spPr/>
-        <p:txBody>
-          <a:bodyPr/>
-          <a:lstStyle/>
-          <a:p>
-            <a:endParaRPr lang="en-US" dirty="0"/>
-          </a:p>
-        </p:txBody>
-      </p:sp>
-      <p:sp>
-        <p:nvSpPr>
-          <p:cNvPr id="3" name="Content Placeholder 2">
-            <a:extLst>
-              <a:ext uri="{FF2B5EF4-FFF2-40B4-BE49-F238E27FC236}">
-                <a16:creationId xmlns:a16="http://schemas.microsoft.com/office/drawing/2014/main" id="{0C11D66B-2C3A-4A6A-A386-42A1825DFE8A}"/>
-              </a:ext>
-            </a:extLst>
-          </p:cNvPr>
-          <p:cNvSpPr>
-            <a:spLocks noGrp="1"/>
-          </p:cNvSpPr>
-          <p:nvPr>
-            <p:ph idx="1"/>
-          </p:nvPr>
-        </p:nvSpPr>
-        <p:spPr/>
-        <p:txBody>
-          <a:bodyPr/>
-          <a:lstStyle/>
-          <a:p>
-            <a:r>
-              <a:rPr lang="en-US" dirty="0"/>
-              <a:t>37% of the variability is between sites</a:t>
-            </a:r>
-          </a:p>
-          <a:p>
-            <a:r>
-              <a:rPr lang="en-US" dirty="0"/>
-              <a:t>The rest (63%) is within site (</a:t>
-            </a:r>
-            <a:r>
-              <a:rPr lang="en-US" dirty="0" err="1"/>
-              <a:t>ie</a:t>
-            </a:r>
-            <a:r>
-              <a:rPr lang="en-US" dirty="0"/>
-              <a:t> lots of variability within a site)</a:t>
-            </a:r>
-          </a:p>
-        </p:txBody>
-      </p:sp>
       <p:pic>
         <p:nvPicPr>
-          <p:cNvPr id="4" name="Picture 3">
-            <a:extLst>
-              <a:ext uri="{FF2B5EF4-FFF2-40B4-BE49-F238E27FC236}">
-                <a16:creationId xmlns:a16="http://schemas.microsoft.com/office/drawing/2014/main" id="{80CBF9F0-6413-42F0-89D6-99BC4D9B4FA5}"/>
+          <p:cNvPr id="5" name="Picture 4">
+            <a:extLst>
+              <a:ext uri="{FF2B5EF4-FFF2-40B4-BE49-F238E27FC236}">
+                <a16:creationId xmlns:a16="http://schemas.microsoft.com/office/drawing/2014/main" id="{3F6B5AD9-C7B6-4137-BBF2-2F542941C9D4}"/>
               </a:ext>
             </a:extLst>
           </p:cNvPr>
@@ -8580,38 +5792,8 @@
         </p:blipFill>
         <p:spPr>
           <a:xfrm>
-            <a:off x="6283336" y="3000178"/>
-            <a:ext cx="5501484" cy="3492697"/>
-          </a:xfrm>
-          <a:prstGeom prst="rect">
-            <a:avLst/>
-          </a:prstGeom>
-        </p:spPr>
-      </p:pic>
-      <p:pic>
-        <p:nvPicPr>
-          <p:cNvPr id="6" name="Picture 5">
-            <a:extLst>
-              <a:ext uri="{FF2B5EF4-FFF2-40B4-BE49-F238E27FC236}">
-                <a16:creationId xmlns:a16="http://schemas.microsoft.com/office/drawing/2014/main" id="{481FA5A0-3AC3-4426-83BD-67FC7BA39D05}"/>
-              </a:ext>
-            </a:extLst>
-          </p:cNvPr>
-          <p:cNvPicPr>
-            <a:picLocks noChangeAspect="1"/>
-          </p:cNvPicPr>
-          <p:nvPr/>
-        </p:nvPicPr>
-        <p:blipFill>
-          <a:blip r:embed="rId3"/>
-          <a:stretch>
-            <a:fillRect/>
-          </a:stretch>
-        </p:blipFill>
-        <p:spPr>
-          <a:xfrm>
-            <a:off x="2014537" y="3565426"/>
-            <a:ext cx="2085975" cy="1495425"/>
+            <a:off x="1359679" y="422078"/>
+            <a:ext cx="9472641" cy="6013844"/>
           </a:xfrm>
           <a:prstGeom prst="rect">
             <a:avLst/>
@@ -8621,7 +5803,7 @@
     </p:spTree>
     <p:extLst>
       <p:ext uri="{BB962C8B-B14F-4D97-AF65-F5344CB8AC3E}">
-        <p14:creationId xmlns:p14="http://schemas.microsoft.com/office/powerpoint/2010/main" val="1870847199"/>
+        <p14:creationId xmlns:p14="http://schemas.microsoft.com/office/powerpoint/2010/main" val="2518726537"/>
       </p:ext>
     </p:extLst>
   </p:cSld>
@@ -8648,12 +5830,78 @@
           <a:chExt cx="0" cy="0"/>
         </a:xfrm>
       </p:grpSpPr>
+      <p:sp>
+        <p:nvSpPr>
+          <p:cNvPr id="2" name="Title 1">
+            <a:extLst>
+              <a:ext uri="{FF2B5EF4-FFF2-40B4-BE49-F238E27FC236}">
+                <a16:creationId xmlns:a16="http://schemas.microsoft.com/office/drawing/2014/main" id="{A1B05E9C-99D7-4D91-9FBE-61010F8B3125}"/>
+              </a:ext>
+            </a:extLst>
+          </p:cNvPr>
+          <p:cNvSpPr>
+            <a:spLocks noGrp="1"/>
+          </p:cNvSpPr>
+          <p:nvPr>
+            <p:ph type="title"/>
+          </p:nvPr>
+        </p:nvSpPr>
+        <p:spPr/>
+        <p:txBody>
+          <a:bodyPr/>
+          <a:lstStyle/>
+          <a:p>
+            <a:r>
+              <a:rPr lang="en-US" dirty="0"/>
+              <a:t>Variation in </a:t>
+            </a:r>
+            <a:r>
+              <a:rPr lang="en-US" dirty="0" err="1"/>
+              <a:t>pctNgap</a:t>
+            </a:r>
+            <a:r>
+              <a:rPr lang="en-US" dirty="0"/>
+              <a:t> – </a:t>
+            </a:r>
+            <a:r>
+              <a:rPr lang="en-US"/>
+              <a:t>‘Heritability’</a:t>
+            </a:r>
+            <a:endParaRPr lang="en-US" dirty="0"/>
+          </a:p>
+        </p:txBody>
+      </p:sp>
+      <p:sp>
+        <p:nvSpPr>
+          <p:cNvPr id="3" name="Content Placeholder 2">
+            <a:extLst>
+              <a:ext uri="{FF2B5EF4-FFF2-40B4-BE49-F238E27FC236}">
+                <a16:creationId xmlns:a16="http://schemas.microsoft.com/office/drawing/2014/main" id="{0C11D66B-2C3A-4A6A-A386-42A1825DFE8A}"/>
+              </a:ext>
+            </a:extLst>
+          </p:cNvPr>
+          <p:cNvSpPr>
+            <a:spLocks noGrp="1"/>
+          </p:cNvSpPr>
+          <p:nvPr>
+            <p:ph idx="1"/>
+          </p:nvPr>
+        </p:nvSpPr>
+        <p:spPr/>
+        <p:txBody>
+          <a:bodyPr/>
+          <a:lstStyle/>
+          <a:p>
+            <a:endParaRPr lang="en-US" dirty="0"/>
+          </a:p>
+        </p:txBody>
+      </p:sp>
       <p:pic>
         <p:nvPicPr>
-          <p:cNvPr id="5" name="Picture 4">
-            <a:extLst>
-              <a:ext uri="{FF2B5EF4-FFF2-40B4-BE49-F238E27FC236}">
-                <a16:creationId xmlns:a16="http://schemas.microsoft.com/office/drawing/2014/main" id="{ECB09C12-4C1C-4B64-9FCD-6C722770A6E9}"/>
+          <p:cNvPr id="6" name="Picture 5">
+            <a:extLst>
+              <a:ext uri="{FF2B5EF4-FFF2-40B4-BE49-F238E27FC236}">
+                <a16:creationId xmlns:a16="http://schemas.microsoft.com/office/drawing/2014/main" id="{481FA5A0-3AC3-4426-83BD-67FC7BA39D05}"/>
               </a:ext>
             </a:extLst>
           </p:cNvPr>
@@ -8670,18 +5918,90 @@
         </p:blipFill>
         <p:spPr>
           <a:xfrm>
-            <a:off x="1255507" y="329480"/>
-            <a:ext cx="9472641" cy="6013844"/>
+            <a:off x="6541801" y="4599544"/>
+            <a:ext cx="2085975" cy="1495425"/>
           </a:xfrm>
           <a:prstGeom prst="rect">
             <a:avLst/>
           </a:prstGeom>
         </p:spPr>
       </p:pic>
+      <p:pic>
+        <p:nvPicPr>
+          <p:cNvPr id="7" name="Picture 6">
+            <a:extLst>
+              <a:ext uri="{FF2B5EF4-FFF2-40B4-BE49-F238E27FC236}">
+                <a16:creationId xmlns:a16="http://schemas.microsoft.com/office/drawing/2014/main" id="{8E466DAC-EECA-49DA-9317-213735BC5DBF}"/>
+              </a:ext>
+            </a:extLst>
+          </p:cNvPr>
+          <p:cNvPicPr>
+            <a:picLocks noChangeAspect="1"/>
+          </p:cNvPicPr>
+          <p:nvPr/>
+        </p:nvPicPr>
+        <p:blipFill>
+          <a:blip r:embed="rId3"/>
+          <a:stretch>
+            <a:fillRect/>
+          </a:stretch>
+        </p:blipFill>
+        <p:spPr>
+          <a:xfrm>
+            <a:off x="-766762" y="1800629"/>
+            <a:ext cx="6668516" cy="4650077"/>
+          </a:xfrm>
+          <a:prstGeom prst="rect">
+            <a:avLst/>
+          </a:prstGeom>
+        </p:spPr>
+      </p:pic>
+      <p:cxnSp>
+        <p:nvCxnSpPr>
+          <p:cNvPr id="9" name="Straight Arrow Connector 8">
+            <a:extLst>
+              <a:ext uri="{FF2B5EF4-FFF2-40B4-BE49-F238E27FC236}">
+                <a16:creationId xmlns:a16="http://schemas.microsoft.com/office/drawing/2014/main" id="{CDD6859A-2955-43F9-8732-266B727F264A}"/>
+              </a:ext>
+            </a:extLst>
+          </p:cNvPr>
+          <p:cNvCxnSpPr/>
+          <p:nvPr/>
+        </p:nvCxnSpPr>
+        <p:spPr>
+          <a:xfrm flipV="1">
+            <a:off x="2918972" y="5122415"/>
+            <a:ext cx="3542191" cy="79899"/>
+          </a:xfrm>
+          <a:prstGeom prst="straightConnector1">
+            <a:avLst/>
+          </a:prstGeom>
+          <a:ln w="76200">
+            <a:solidFill>
+              <a:schemeClr val="tx1"/>
+            </a:solidFill>
+            <a:tailEnd type="triangle"/>
+          </a:ln>
+        </p:spPr>
+        <p:style>
+          <a:lnRef idx="1">
+            <a:schemeClr val="accent1"/>
+          </a:lnRef>
+          <a:fillRef idx="0">
+            <a:schemeClr val="accent1"/>
+          </a:fillRef>
+          <a:effectRef idx="0">
+            <a:schemeClr val="accent1"/>
+          </a:effectRef>
+          <a:fontRef idx="minor">
+            <a:schemeClr val="tx1"/>
+          </a:fontRef>
+        </p:style>
+      </p:cxnSp>
     </p:spTree>
     <p:extLst>
       <p:ext uri="{BB962C8B-B14F-4D97-AF65-F5344CB8AC3E}">
-        <p14:creationId xmlns:p14="http://schemas.microsoft.com/office/powerpoint/2010/main" val="1494120343"/>
+        <p14:creationId xmlns:p14="http://schemas.microsoft.com/office/powerpoint/2010/main" val="1870847199"/>
       </p:ext>
     </p:extLst>
   </p:cSld>
@@ -8710,10 +6030,10 @@
       </p:grpSpPr>
       <p:sp>
         <p:nvSpPr>
-          <p:cNvPr id="6" name="Title 5">
-            <a:extLst>
-              <a:ext uri="{FF2B5EF4-FFF2-40B4-BE49-F238E27FC236}">
-                <a16:creationId xmlns:a16="http://schemas.microsoft.com/office/drawing/2014/main" id="{F529252E-F8F9-4C23-89B2-CC74187B78BE}"/>
+          <p:cNvPr id="2" name="Title 1">
+            <a:extLst>
+              <a:ext uri="{FF2B5EF4-FFF2-40B4-BE49-F238E27FC236}">
+                <a16:creationId xmlns:a16="http://schemas.microsoft.com/office/drawing/2014/main" id="{A1B05E9C-99D7-4D91-9FBE-61010F8B3125}"/>
               </a:ext>
             </a:extLst>
           </p:cNvPr>
@@ -8726,37 +6046,52 @@
         </p:nvSpPr>
         <p:spPr/>
         <p:txBody>
-          <a:bodyPr>
-            <a:normAutofit fontScale="90000"/>
-          </a:bodyPr>
+          <a:bodyPr/>
           <a:lstStyle/>
           <a:p>
             <a:r>
               <a:rPr lang="en-US" dirty="0"/>
-              <a:t>Is gap driven by rot corn yield, or </a:t>
+              <a:t>Variation in </a:t>
             </a:r>
             <a:r>
               <a:rPr lang="en-US" dirty="0" err="1"/>
-              <a:t>cont</a:t>
-            </a:r>
-            <a:r>
-              <a:rPr lang="en-US" dirty="0"/>
-              <a:t> corn yield? Within site and across site patterns are </a:t>
-            </a:r>
-            <a:r>
-              <a:rPr lang="en-US"/>
-              <a:t>the same.</a:t>
-            </a:r>
+              <a:t>pctNgap</a:t>
+            </a:r>
+            <a:endParaRPr lang="en-US" dirty="0"/>
+          </a:p>
+        </p:txBody>
+      </p:sp>
+      <p:sp>
+        <p:nvSpPr>
+          <p:cNvPr id="3" name="Content Placeholder 2">
+            <a:extLst>
+              <a:ext uri="{FF2B5EF4-FFF2-40B4-BE49-F238E27FC236}">
+                <a16:creationId xmlns:a16="http://schemas.microsoft.com/office/drawing/2014/main" id="{0C11D66B-2C3A-4A6A-A386-42A1825DFE8A}"/>
+              </a:ext>
+            </a:extLst>
+          </p:cNvPr>
+          <p:cNvSpPr>
+            <a:spLocks noGrp="1"/>
+          </p:cNvSpPr>
+          <p:nvPr>
+            <p:ph idx="1"/>
+          </p:nvPr>
+        </p:nvSpPr>
+        <p:spPr/>
+        <p:txBody>
+          <a:bodyPr/>
+          <a:lstStyle/>
+          <a:p>
             <a:endParaRPr lang="en-US" dirty="0"/>
           </a:p>
         </p:txBody>
       </p:sp>
       <p:pic>
         <p:nvPicPr>
-          <p:cNvPr id="3" name="Picture 2">
-            <a:extLst>
-              <a:ext uri="{FF2B5EF4-FFF2-40B4-BE49-F238E27FC236}">
-                <a16:creationId xmlns:a16="http://schemas.microsoft.com/office/drawing/2014/main" id="{31D98B02-9515-4573-A9B7-8FF45A7A8805}"/>
+          <p:cNvPr id="7" name="Picture 6">
+            <a:extLst>
+              <a:ext uri="{FF2B5EF4-FFF2-40B4-BE49-F238E27FC236}">
+                <a16:creationId xmlns:a16="http://schemas.microsoft.com/office/drawing/2014/main" id="{8E466DAC-EECA-49DA-9317-213735BC5DBF}"/>
               </a:ext>
             </a:extLst>
           </p:cNvPr>
@@ -8773,20 +6108,64 @@
         </p:blipFill>
         <p:spPr>
           <a:xfrm>
-            <a:off x="459317" y="1690688"/>
-            <a:ext cx="7220043" cy="4970119"/>
+            <a:off x="-766762" y="1800629"/>
+            <a:ext cx="6668516" cy="4650077"/>
           </a:xfrm>
           <a:prstGeom prst="rect">
             <a:avLst/>
           </a:prstGeom>
         </p:spPr>
       </p:pic>
+      <p:cxnSp>
+        <p:nvCxnSpPr>
+          <p:cNvPr id="9" name="Straight Arrow Connector 8">
+            <a:extLst>
+              <a:ext uri="{FF2B5EF4-FFF2-40B4-BE49-F238E27FC236}">
+                <a16:creationId xmlns:a16="http://schemas.microsoft.com/office/drawing/2014/main" id="{CDD6859A-2955-43F9-8732-266B727F264A}"/>
+              </a:ext>
+            </a:extLst>
+          </p:cNvPr>
+          <p:cNvCxnSpPr>
+            <a:cxnSpLocks/>
+          </p:cNvCxnSpPr>
+          <p:nvPr/>
+        </p:nvCxnSpPr>
+        <p:spPr>
+          <a:xfrm flipV="1">
+            <a:off x="3185302" y="3071674"/>
+            <a:ext cx="1874970" cy="230821"/>
+          </a:xfrm>
+          <a:prstGeom prst="straightConnector1">
+            <a:avLst/>
+          </a:prstGeom>
+          <a:ln w="76200">
+            <a:solidFill>
+              <a:schemeClr val="tx1"/>
+            </a:solidFill>
+            <a:tailEnd type="triangle"/>
+          </a:ln>
+        </p:spPr>
+        <p:style>
+          <a:lnRef idx="1">
+            <a:schemeClr val="accent1"/>
+          </a:lnRef>
+          <a:fillRef idx="0">
+            <a:schemeClr val="accent1"/>
+          </a:fillRef>
+          <a:effectRef idx="0">
+            <a:schemeClr val="accent1"/>
+          </a:effectRef>
+          <a:fontRef idx="minor">
+            <a:schemeClr val="tx1"/>
+          </a:fontRef>
+        </p:style>
+      </p:cxnSp>
       <p:pic>
         <p:nvPicPr>
-          <p:cNvPr id="7" name="Picture 6">
-            <a:extLst>
-              <a:ext uri="{FF2B5EF4-FFF2-40B4-BE49-F238E27FC236}">
-                <a16:creationId xmlns:a16="http://schemas.microsoft.com/office/drawing/2014/main" id="{775DE172-59B0-47F2-B9A1-CE3D536A4518}"/>
+          <p:cNvPr id="11" name="Picture 10">
+            <a:extLst>
+              <a:ext uri="{FF2B5EF4-FFF2-40B4-BE49-F238E27FC236}">
+                <a16:creationId xmlns:a16="http://schemas.microsoft.com/office/drawing/2014/main" id="{75691CD1-2EDF-42A0-86EA-18E3E885C8E8}"/>
               </a:ext>
             </a:extLst>
           </p:cNvPr>
@@ -8803,8 +6182,8 @@
         </p:blipFill>
         <p:spPr>
           <a:xfrm>
-            <a:off x="6154100" y="1863560"/>
-            <a:ext cx="6724960" cy="4629315"/>
+            <a:off x="5265367" y="1475066"/>
+            <a:ext cx="5966977" cy="4160881"/>
           </a:xfrm>
           <a:prstGeom prst="rect">
             <a:avLst/>
@@ -8814,7 +6193,7 @@
     </p:spTree>
     <p:extLst>
       <p:ext uri="{BB962C8B-B14F-4D97-AF65-F5344CB8AC3E}">
-        <p14:creationId xmlns:p14="http://schemas.microsoft.com/office/powerpoint/2010/main" val="1022767644"/>
+        <p14:creationId xmlns:p14="http://schemas.microsoft.com/office/powerpoint/2010/main" val="3284366339"/>
       </p:ext>
     </p:extLst>
   </p:cSld>
@@ -8864,7 +6243,7 @@
           <a:p>
             <a:r>
               <a:rPr lang="en-US" dirty="0"/>
-              <a:t>Is N-contribution relate to size of gap?</a:t>
+              <a:t>Is N-contribution related to size of gap?</a:t>
             </a:r>
           </a:p>
         </p:txBody>

--- a/talks/2021-03-24-Mike-Sot-mtg.pptx
+++ b/talks/2021-03-24-Mike-Sot-mtg.pptx
@@ -11,15 +11,16 @@
     <p:sldId id="256" r:id="rId5"/>
     <p:sldId id="273" r:id="rId6"/>
     <p:sldId id="274" r:id="rId7"/>
-    <p:sldId id="278" r:id="rId8"/>
-    <p:sldId id="266" r:id="rId9"/>
-    <p:sldId id="259" r:id="rId10"/>
-    <p:sldId id="261" r:id="rId11"/>
-    <p:sldId id="260" r:id="rId12"/>
-    <p:sldId id="264" r:id="rId13"/>
-    <p:sldId id="267" r:id="rId14"/>
-    <p:sldId id="257" r:id="rId15"/>
-    <p:sldId id="270" r:id="rId16"/>
+    <p:sldId id="279" r:id="rId8"/>
+    <p:sldId id="278" r:id="rId9"/>
+    <p:sldId id="266" r:id="rId10"/>
+    <p:sldId id="259" r:id="rId11"/>
+    <p:sldId id="261" r:id="rId12"/>
+    <p:sldId id="260" r:id="rId13"/>
+    <p:sldId id="264" r:id="rId14"/>
+    <p:sldId id="267" r:id="rId15"/>
+    <p:sldId id="257" r:id="rId16"/>
+    <p:sldId id="270" r:id="rId17"/>
   </p:sldIdLst>
   <p:sldSz cx="12192000" cy="6858000"/>
   <p:notesSz cx="6858000" cy="9144000"/>
@@ -3434,6 +3435,66 @@
       </p:grpSpPr>
       <p:pic>
         <p:nvPicPr>
+          <p:cNvPr id="12" name="Picture 11">
+            <a:extLst>
+              <a:ext uri="{FF2B5EF4-FFF2-40B4-BE49-F238E27FC236}">
+                <a16:creationId xmlns:a16="http://schemas.microsoft.com/office/drawing/2014/main" id="{0682B4F0-F1A1-4E07-A05C-B356FC344747}"/>
+              </a:ext>
+            </a:extLst>
+          </p:cNvPr>
+          <p:cNvPicPr>
+            <a:picLocks noChangeAspect="1"/>
+          </p:cNvPicPr>
+          <p:nvPr/>
+        </p:nvPicPr>
+        <p:blipFill>
+          <a:blip r:embed="rId2"/>
+          <a:stretch>
+            <a:fillRect/>
+          </a:stretch>
+        </p:blipFill>
+        <p:spPr>
+          <a:xfrm>
+            <a:off x="886047" y="121386"/>
+            <a:ext cx="10419905" cy="6615228"/>
+          </a:xfrm>
+          <a:prstGeom prst="rect">
+            <a:avLst/>
+          </a:prstGeom>
+        </p:spPr>
+      </p:pic>
+    </p:spTree>
+    <p:extLst>
+      <p:ext uri="{BB962C8B-B14F-4D97-AF65-F5344CB8AC3E}">
+        <p14:creationId xmlns:p14="http://schemas.microsoft.com/office/powerpoint/2010/main" val="3884832672"/>
+      </p:ext>
+    </p:extLst>
+  </p:cSld>
+  <p:clrMapOvr>
+    <a:masterClrMapping/>
+  </p:clrMapOvr>
+</p:sld>
+</file>
+
+<file path=ppt/slides/slide11.xml><?xml version="1.0" encoding="utf-8"?>
+<p:sld xmlns:a="http://schemas.openxmlformats.org/drawingml/2006/main" xmlns:r="http://schemas.openxmlformats.org/officeDocument/2006/relationships" xmlns:p="http://schemas.openxmlformats.org/presentationml/2006/main">
+  <p:cSld>
+    <p:spTree>
+      <p:nvGrpSpPr>
+        <p:cNvPr id="1" name=""/>
+        <p:cNvGrpSpPr/>
+        <p:nvPr/>
+      </p:nvGrpSpPr>
+      <p:grpSpPr>
+        <a:xfrm>
+          <a:off x="0" y="0"/>
+          <a:ext cx="0" cy="0"/>
+          <a:chOff x="0" y="0"/>
+          <a:chExt cx="0" cy="0"/>
+        </a:xfrm>
+      </p:grpSpPr>
+      <p:pic>
+        <p:nvPicPr>
           <p:cNvPr id="10" name="Picture 9">
             <a:extLst>
               <a:ext uri="{FF2B5EF4-FFF2-40B4-BE49-F238E27FC236}">
@@ -3679,7 +3740,7 @@
 </p:sld>
 </file>
 
-<file path=ppt/slides/slide11.xml><?xml version="1.0" encoding="utf-8"?>
+<file path=ppt/slides/slide12.xml><?xml version="1.0" encoding="utf-8"?>
 <p:sld xmlns:a="http://schemas.openxmlformats.org/drawingml/2006/main" xmlns:r="http://schemas.openxmlformats.org/officeDocument/2006/relationships" xmlns:p="http://schemas.openxmlformats.org/presentationml/2006/main">
   <p:cSld>
     <p:spTree>
@@ -4111,7 +4172,7 @@
 </p:sld>
 </file>
 
-<file path=ppt/slides/slide12.xml><?xml version="1.0" encoding="utf-8"?>
+<file path=ppt/slides/slide13.xml><?xml version="1.0" encoding="utf-8"?>
 <p:sld xmlns:a="http://schemas.openxmlformats.org/drawingml/2006/main" xmlns:r="http://schemas.openxmlformats.org/officeDocument/2006/relationships" xmlns:p="http://schemas.openxmlformats.org/presentationml/2006/main">
   <p:cSld>
     <p:spTree>
@@ -4457,7 +4518,7 @@
 </p:sld>
 </file>
 
-<file path=ppt/slides/slide13.xml><?xml version="1.0" encoding="utf-8"?>
+<file path=ppt/slides/slide14.xml><?xml version="1.0" encoding="utf-8"?>
 <p:sld xmlns:a="http://schemas.openxmlformats.org/drawingml/2006/main" xmlns:r="http://schemas.openxmlformats.org/officeDocument/2006/relationships" xmlns:p="http://schemas.openxmlformats.org/presentationml/2006/main">
   <p:cSld>
     <p:spTree>
@@ -4517,8 +4578,24 @@
         </p:nvSpPr>
         <p:spPr/>
         <p:txBody>
-          <a:bodyPr/>
-          <a:lstStyle/>
+          <a:bodyPr>
+            <a:normAutofit lnSpcReduction="10000"/>
+          </a:bodyPr>
+          <a:lstStyle/>
+          <a:p>
+            <a:r>
+              <a:rPr lang="en-US" dirty="0"/>
+              <a:t>At normal nitrogen rates, yield of rotated corn is not a good predictor of penalty. It’s how badly the continuous corn FAILS to achieve it’s </a:t>
+            </a:r>
+            <a:r>
+              <a:rPr lang="en-US"/>
+              <a:t>yield potential. </a:t>
+            </a:r>
+            <a:endParaRPr lang="en-US" dirty="0"/>
+          </a:p>
+          <a:p>
+            <a:endParaRPr lang="en-US" dirty="0"/>
+          </a:p>
           <a:p>
             <a:r>
               <a:rPr lang="en-US" dirty="0"/>
@@ -4579,7 +4656,7 @@
 </p:sld>
 </file>
 
-<file path=ppt/slides/slide14.xml><?xml version="1.0" encoding="utf-8"?>
+<file path=ppt/slides/slide15.xml><?xml version="1.0" encoding="utf-8"?>
 <p:sld xmlns:a="http://schemas.openxmlformats.org/drawingml/2006/main" xmlns:r="http://schemas.openxmlformats.org/officeDocument/2006/relationships" xmlns:p="http://schemas.openxmlformats.org/presentationml/2006/main">
   <p:cSld>
     <p:spTree>
@@ -5405,7 +5482,7 @@
 </p:sld>
 </file>
 
-<file path=ppt/slides/slide15.xml><?xml version="1.0" encoding="utf-8"?>
+<file path=ppt/slides/slide16.xml><?xml version="1.0" encoding="utf-8"?>
 <p:sld xmlns:a="http://schemas.openxmlformats.org/drawingml/2006/main" xmlns:r="http://schemas.openxmlformats.org/officeDocument/2006/relationships" xmlns:p="http://schemas.openxmlformats.org/presentationml/2006/main">
   <p:cSld>
     <p:spTree>
@@ -6057,6 +6134,14 @@
               <a:rPr lang="en-US" dirty="0" err="1"/>
               <a:t>pctNgap</a:t>
             </a:r>
+            <a:r>
+              <a:rPr lang="en-US" dirty="0"/>
+              <a:t> – </a:t>
+            </a:r>
+            <a:r>
+              <a:rPr lang="en-US"/>
+              <a:t>‘Heritability’</a:t>
+            </a:r>
             <a:endParaRPr lang="en-US" dirty="0"/>
           </a:p>
         </p:txBody>
@@ -6088,10 +6173,10 @@
       </p:sp>
       <p:pic>
         <p:nvPicPr>
-          <p:cNvPr id="7" name="Picture 6">
-            <a:extLst>
-              <a:ext uri="{FF2B5EF4-FFF2-40B4-BE49-F238E27FC236}">
-                <a16:creationId xmlns:a16="http://schemas.microsoft.com/office/drawing/2014/main" id="{8E466DAC-EECA-49DA-9317-213735BC5DBF}"/>
+          <p:cNvPr id="6" name="Picture 5">
+            <a:extLst>
+              <a:ext uri="{FF2B5EF4-FFF2-40B4-BE49-F238E27FC236}">
+                <a16:creationId xmlns:a16="http://schemas.microsoft.com/office/drawing/2014/main" id="{481FA5A0-3AC3-4426-83BD-67FC7BA39D05}"/>
               </a:ext>
             </a:extLst>
           </p:cNvPr>
@@ -6108,6 +6193,36 @@
         </p:blipFill>
         <p:spPr>
           <a:xfrm>
+            <a:off x="6541801" y="4599544"/>
+            <a:ext cx="2085975" cy="1495425"/>
+          </a:xfrm>
+          <a:prstGeom prst="rect">
+            <a:avLst/>
+          </a:prstGeom>
+        </p:spPr>
+      </p:pic>
+      <p:pic>
+        <p:nvPicPr>
+          <p:cNvPr id="7" name="Picture 6">
+            <a:extLst>
+              <a:ext uri="{FF2B5EF4-FFF2-40B4-BE49-F238E27FC236}">
+                <a16:creationId xmlns:a16="http://schemas.microsoft.com/office/drawing/2014/main" id="{8E466DAC-EECA-49DA-9317-213735BC5DBF}"/>
+              </a:ext>
+            </a:extLst>
+          </p:cNvPr>
+          <p:cNvPicPr>
+            <a:picLocks noChangeAspect="1"/>
+          </p:cNvPicPr>
+          <p:nvPr/>
+        </p:nvPicPr>
+        <p:blipFill>
+          <a:blip r:embed="rId3"/>
+          <a:stretch>
+            <a:fillRect/>
+          </a:stretch>
+        </p:blipFill>
+        <p:spPr>
+          <a:xfrm>
             <a:off x="-766762" y="1800629"/>
             <a:ext cx="6668516" cy="4650077"/>
           </a:xfrm>
@@ -6125,15 +6240,13 @@
               </a:ext>
             </a:extLst>
           </p:cNvPr>
-          <p:cNvCxnSpPr>
-            <a:cxnSpLocks/>
-          </p:cNvCxnSpPr>
+          <p:cNvCxnSpPr/>
           <p:nvPr/>
         </p:nvCxnSpPr>
         <p:spPr>
           <a:xfrm flipV="1">
-            <a:off x="3185302" y="3071674"/>
-            <a:ext cx="1874970" cy="230821"/>
+            <a:off x="2918972" y="5122415"/>
+            <a:ext cx="3542191" cy="79899"/>
           </a:xfrm>
           <a:prstGeom prst="straightConnector1">
             <a:avLst/>
@@ -6162,10 +6275,10 @@
       </p:cxnSp>
       <p:pic>
         <p:nvPicPr>
-          <p:cNvPr id="11" name="Picture 10">
-            <a:extLst>
-              <a:ext uri="{FF2B5EF4-FFF2-40B4-BE49-F238E27FC236}">
-                <a16:creationId xmlns:a16="http://schemas.microsoft.com/office/drawing/2014/main" id="{75691CD1-2EDF-42A0-86EA-18E3E885C8E8}"/>
+          <p:cNvPr id="5" name="Picture 4">
+            <a:extLst>
+              <a:ext uri="{FF2B5EF4-FFF2-40B4-BE49-F238E27FC236}">
+                <a16:creationId xmlns:a16="http://schemas.microsoft.com/office/drawing/2014/main" id="{48E08F31-B650-44B7-B0EC-E7F590D9529F}"/>
               </a:ext>
             </a:extLst>
           </p:cNvPr>
@@ -6175,25 +6288,77 @@
           <p:nvPr/>
         </p:nvPicPr>
         <p:blipFill>
-          <a:blip r:embed="rId3"/>
+          <a:blip r:embed="rId4"/>
           <a:stretch>
             <a:fillRect/>
           </a:stretch>
         </p:blipFill>
         <p:spPr>
           <a:xfrm>
-            <a:off x="5265367" y="1475066"/>
-            <a:ext cx="5966977" cy="4160881"/>
+            <a:off x="4833337" y="1784794"/>
+            <a:ext cx="6402277" cy="2332711"/>
           </a:xfrm>
           <a:prstGeom prst="rect">
             <a:avLst/>
           </a:prstGeom>
         </p:spPr>
       </p:pic>
+      <p:sp>
+        <p:nvSpPr>
+          <p:cNvPr id="8" name="Rectangle 7">
+            <a:extLst>
+              <a:ext uri="{FF2B5EF4-FFF2-40B4-BE49-F238E27FC236}">
+                <a16:creationId xmlns:a16="http://schemas.microsoft.com/office/drawing/2014/main" id="{C2AC54BA-AEA9-45AC-A8E5-DC231FE326B4}"/>
+              </a:ext>
+            </a:extLst>
+          </p:cNvPr>
+          <p:cNvSpPr/>
+          <p:nvPr/>
+        </p:nvSpPr>
+        <p:spPr>
+          <a:xfrm>
+            <a:off x="4690067" y="3490135"/>
+            <a:ext cx="6730408" cy="244029"/>
+          </a:xfrm>
+          <a:prstGeom prst="rect">
+            <a:avLst/>
+          </a:prstGeom>
+          <a:noFill/>
+          <a:ln w="38100">
+            <a:solidFill>
+              <a:schemeClr val="accent1"/>
+            </a:solidFill>
+          </a:ln>
+        </p:spPr>
+        <p:style>
+          <a:lnRef idx="2">
+            <a:schemeClr val="accent1">
+              <a:shade val="50000"/>
+            </a:schemeClr>
+          </a:lnRef>
+          <a:fillRef idx="1">
+            <a:schemeClr val="accent1"/>
+          </a:fillRef>
+          <a:effectRef idx="0">
+            <a:schemeClr val="accent1"/>
+          </a:effectRef>
+          <a:fontRef idx="minor">
+            <a:schemeClr val="lt1"/>
+          </a:fontRef>
+        </p:style>
+        <p:txBody>
+          <a:bodyPr rtlCol="0" anchor="ctr"/>
+          <a:lstStyle/>
+          <a:p>
+            <a:pPr algn="ctr"/>
+            <a:endParaRPr lang="en-US"/>
+          </a:p>
+        </p:txBody>
+      </p:sp>
     </p:spTree>
     <p:extLst>
       <p:ext uri="{BB962C8B-B14F-4D97-AF65-F5344CB8AC3E}">
-        <p14:creationId xmlns:p14="http://schemas.microsoft.com/office/powerpoint/2010/main" val="3284366339"/>
+        <p14:creationId xmlns:p14="http://schemas.microsoft.com/office/powerpoint/2010/main" val="3660208882"/>
       </p:ext>
     </p:extLst>
   </p:cSld>
@@ -6225,7 +6390,7 @@
           <p:cNvPr id="2" name="Title 1">
             <a:extLst>
               <a:ext uri="{FF2B5EF4-FFF2-40B4-BE49-F238E27FC236}">
-                <a16:creationId xmlns:a16="http://schemas.microsoft.com/office/drawing/2014/main" id="{D6210366-ECF7-4DAB-83DA-28A0203FDD4A}"/>
+                <a16:creationId xmlns:a16="http://schemas.microsoft.com/office/drawing/2014/main" id="{A1B05E9C-99D7-4D91-9FBE-61010F8B3125}"/>
               </a:ext>
             </a:extLst>
           </p:cNvPr>
@@ -6243,15 +6408,149 @@
           <a:p>
             <a:r>
               <a:rPr lang="en-US" dirty="0"/>
-              <a:t>Is N-contribution related to size of gap?</a:t>
-            </a:r>
-          </a:p>
-        </p:txBody>
-      </p:sp>
+              <a:t>Variation in </a:t>
+            </a:r>
+            <a:r>
+              <a:rPr lang="en-US" dirty="0" err="1"/>
+              <a:t>pctNgap</a:t>
+            </a:r>
+            <a:endParaRPr lang="en-US" dirty="0"/>
+          </a:p>
+        </p:txBody>
+      </p:sp>
+      <p:sp>
+        <p:nvSpPr>
+          <p:cNvPr id="3" name="Content Placeholder 2">
+            <a:extLst>
+              <a:ext uri="{FF2B5EF4-FFF2-40B4-BE49-F238E27FC236}">
+                <a16:creationId xmlns:a16="http://schemas.microsoft.com/office/drawing/2014/main" id="{0C11D66B-2C3A-4A6A-A386-42A1825DFE8A}"/>
+              </a:ext>
+            </a:extLst>
+          </p:cNvPr>
+          <p:cNvSpPr>
+            <a:spLocks noGrp="1"/>
+          </p:cNvSpPr>
+          <p:nvPr>
+            <p:ph idx="1"/>
+          </p:nvPr>
+        </p:nvSpPr>
+        <p:spPr/>
+        <p:txBody>
+          <a:bodyPr/>
+          <a:lstStyle/>
+          <a:p>
+            <a:endParaRPr lang="en-US" dirty="0"/>
+          </a:p>
+        </p:txBody>
+      </p:sp>
+      <p:pic>
+        <p:nvPicPr>
+          <p:cNvPr id="7" name="Picture 6">
+            <a:extLst>
+              <a:ext uri="{FF2B5EF4-FFF2-40B4-BE49-F238E27FC236}">
+                <a16:creationId xmlns:a16="http://schemas.microsoft.com/office/drawing/2014/main" id="{8E466DAC-EECA-49DA-9317-213735BC5DBF}"/>
+              </a:ext>
+            </a:extLst>
+          </p:cNvPr>
+          <p:cNvPicPr>
+            <a:picLocks noChangeAspect="1"/>
+          </p:cNvPicPr>
+          <p:nvPr/>
+        </p:nvPicPr>
+        <p:blipFill>
+          <a:blip r:embed="rId2"/>
+          <a:stretch>
+            <a:fillRect/>
+          </a:stretch>
+        </p:blipFill>
+        <p:spPr>
+          <a:xfrm>
+            <a:off x="-766762" y="1800629"/>
+            <a:ext cx="6668516" cy="4650077"/>
+          </a:xfrm>
+          <a:prstGeom prst="rect">
+            <a:avLst/>
+          </a:prstGeom>
+        </p:spPr>
+      </p:pic>
+      <p:cxnSp>
+        <p:nvCxnSpPr>
+          <p:cNvPr id="9" name="Straight Arrow Connector 8">
+            <a:extLst>
+              <a:ext uri="{FF2B5EF4-FFF2-40B4-BE49-F238E27FC236}">
+                <a16:creationId xmlns:a16="http://schemas.microsoft.com/office/drawing/2014/main" id="{CDD6859A-2955-43F9-8732-266B727F264A}"/>
+              </a:ext>
+            </a:extLst>
+          </p:cNvPr>
+          <p:cNvCxnSpPr>
+            <a:cxnSpLocks/>
+          </p:cNvCxnSpPr>
+          <p:nvPr/>
+        </p:nvCxnSpPr>
+        <p:spPr>
+          <a:xfrm flipV="1">
+            <a:off x="3185302" y="3071674"/>
+            <a:ext cx="1874970" cy="230821"/>
+          </a:xfrm>
+          <a:prstGeom prst="straightConnector1">
+            <a:avLst/>
+          </a:prstGeom>
+          <a:ln w="76200">
+            <a:solidFill>
+              <a:schemeClr val="tx1"/>
+            </a:solidFill>
+            <a:tailEnd type="triangle"/>
+          </a:ln>
+        </p:spPr>
+        <p:style>
+          <a:lnRef idx="1">
+            <a:schemeClr val="accent1"/>
+          </a:lnRef>
+          <a:fillRef idx="0">
+            <a:schemeClr val="accent1"/>
+          </a:fillRef>
+          <a:effectRef idx="0">
+            <a:schemeClr val="accent1"/>
+          </a:effectRef>
+          <a:fontRef idx="minor">
+            <a:schemeClr val="tx1"/>
+          </a:fontRef>
+        </p:style>
+      </p:cxnSp>
+      <p:pic>
+        <p:nvPicPr>
+          <p:cNvPr id="11" name="Picture 10">
+            <a:extLst>
+              <a:ext uri="{FF2B5EF4-FFF2-40B4-BE49-F238E27FC236}">
+                <a16:creationId xmlns:a16="http://schemas.microsoft.com/office/drawing/2014/main" id="{75691CD1-2EDF-42A0-86EA-18E3E885C8E8}"/>
+              </a:ext>
+            </a:extLst>
+          </p:cNvPr>
+          <p:cNvPicPr>
+            <a:picLocks noChangeAspect="1"/>
+          </p:cNvPicPr>
+          <p:nvPr/>
+        </p:nvPicPr>
+        <p:blipFill>
+          <a:blip r:embed="rId3"/>
+          <a:stretch>
+            <a:fillRect/>
+          </a:stretch>
+        </p:blipFill>
+        <p:spPr>
+          <a:xfrm>
+            <a:off x="5265367" y="1475066"/>
+            <a:ext cx="5966977" cy="4160881"/>
+          </a:xfrm>
+          <a:prstGeom prst="rect">
+            <a:avLst/>
+          </a:prstGeom>
+        </p:spPr>
+      </p:pic>
     </p:spTree>
     <p:extLst>
       <p:ext uri="{BB962C8B-B14F-4D97-AF65-F5344CB8AC3E}">
-        <p14:creationId xmlns:p14="http://schemas.microsoft.com/office/powerpoint/2010/main" val="1021224791"/>
+        <p14:creationId xmlns:p14="http://schemas.microsoft.com/office/powerpoint/2010/main" val="3284366339"/>
       </p:ext>
     </p:extLst>
   </p:cSld>
@@ -6278,40 +6577,38 @@
           <a:chExt cx="0" cy="0"/>
         </a:xfrm>
       </p:grpSpPr>
-      <p:pic>
-        <p:nvPicPr>
-          <p:cNvPr id="12" name="Picture 11">
-            <a:extLst>
-              <a:ext uri="{FF2B5EF4-FFF2-40B4-BE49-F238E27FC236}">
-                <a16:creationId xmlns:a16="http://schemas.microsoft.com/office/drawing/2014/main" id="{0682B4F0-F1A1-4E07-A05C-B356FC344747}"/>
-              </a:ext>
-            </a:extLst>
-          </p:cNvPr>
-          <p:cNvPicPr>
-            <a:picLocks noChangeAspect="1"/>
-          </p:cNvPicPr>
-          <p:nvPr/>
-        </p:nvPicPr>
-        <p:blipFill>
-          <a:blip r:embed="rId2"/>
-          <a:stretch>
-            <a:fillRect/>
-          </a:stretch>
-        </p:blipFill>
-        <p:spPr>
-          <a:xfrm>
-            <a:off x="886047" y="121386"/>
-            <a:ext cx="10419905" cy="6615228"/>
-          </a:xfrm>
-          <a:prstGeom prst="rect">
-            <a:avLst/>
-          </a:prstGeom>
-        </p:spPr>
-      </p:pic>
+      <p:sp>
+        <p:nvSpPr>
+          <p:cNvPr id="2" name="Title 1">
+            <a:extLst>
+              <a:ext uri="{FF2B5EF4-FFF2-40B4-BE49-F238E27FC236}">
+                <a16:creationId xmlns:a16="http://schemas.microsoft.com/office/drawing/2014/main" id="{D6210366-ECF7-4DAB-83DA-28A0203FDD4A}"/>
+              </a:ext>
+            </a:extLst>
+          </p:cNvPr>
+          <p:cNvSpPr>
+            <a:spLocks noGrp="1"/>
+          </p:cNvSpPr>
+          <p:nvPr>
+            <p:ph type="title"/>
+          </p:nvPr>
+        </p:nvSpPr>
+        <p:spPr/>
+        <p:txBody>
+          <a:bodyPr/>
+          <a:lstStyle/>
+          <a:p>
+            <a:r>
+              <a:rPr lang="en-US" dirty="0"/>
+              <a:t>Is N-contribution related to size of gap?</a:t>
+            </a:r>
+          </a:p>
+        </p:txBody>
+      </p:sp>
     </p:spTree>
     <p:extLst>
       <p:ext uri="{BB962C8B-B14F-4D97-AF65-F5344CB8AC3E}">
-        <p14:creationId xmlns:p14="http://schemas.microsoft.com/office/powerpoint/2010/main" val="3884832672"/>
+        <p14:creationId xmlns:p14="http://schemas.microsoft.com/office/powerpoint/2010/main" val="1021224791"/>
       </p:ext>
     </p:extLst>
   </p:cSld>
